--- a/slides/Backbone Slides Day 3.pptx
+++ b/slides/Backbone Slides Day 3.pptx
@@ -7,12 +7,15 @@
   <p:sldIdLst>
     <p:sldId id="256" r:id="rId2"/>
     <p:sldId id="299" r:id="rId3"/>
-    <p:sldId id="287" r:id="rId4"/>
-    <p:sldId id="300" r:id="rId5"/>
-    <p:sldId id="301" r:id="rId6"/>
-    <p:sldId id="304" r:id="rId7"/>
-    <p:sldId id="302" r:id="rId8"/>
-    <p:sldId id="303" r:id="rId9"/>
+    <p:sldId id="305" r:id="rId4"/>
+    <p:sldId id="306" r:id="rId5"/>
+    <p:sldId id="307" r:id="rId6"/>
+    <p:sldId id="287" r:id="rId7"/>
+    <p:sldId id="300" r:id="rId8"/>
+    <p:sldId id="301" r:id="rId9"/>
+    <p:sldId id="304" r:id="rId10"/>
+    <p:sldId id="302" r:id="rId11"/>
+    <p:sldId id="303" r:id="rId12"/>
   </p:sldIdLst>
   <p:sldSz cx="9144000" cy="6858000" type="screen4x3"/>
   <p:notesSz cx="6858000" cy="9144000"/>
@@ -295,7 +298,7 @@
           <a:p>
             <a:fld id="{6BFECD78-3C8E-49F2-8FAB-59489D168ABB}" type="datetimeFigureOut">
               <a:rPr lang="en-US" smtClean="0"/>
-              <a:t>9/29/16</a:t>
+              <a:t>10/16/16</a:t>
             </a:fld>
             <a:endParaRPr lang="en-US"/>
           </a:p>
@@ -465,7 +468,7 @@
           <a:p>
             <a:fld id="{6BFECD78-3C8E-49F2-8FAB-59489D168ABB}" type="datetimeFigureOut">
               <a:rPr lang="en-US" smtClean="0"/>
-              <a:t>9/29/16</a:t>
+              <a:t>10/16/16</a:t>
             </a:fld>
             <a:endParaRPr lang="en-US"/>
           </a:p>
@@ -645,7 +648,7 @@
           <a:p>
             <a:fld id="{6BFECD78-3C8E-49F2-8FAB-59489D168ABB}" type="datetimeFigureOut">
               <a:rPr lang="en-US" smtClean="0"/>
-              <a:t>9/29/16</a:t>
+              <a:t>10/16/16</a:t>
             </a:fld>
             <a:endParaRPr lang="en-US"/>
           </a:p>
@@ -815,7 +818,7 @@
           <a:p>
             <a:fld id="{6BFECD78-3C8E-49F2-8FAB-59489D168ABB}" type="datetimeFigureOut">
               <a:rPr lang="en-US" smtClean="0"/>
-              <a:t>9/29/16</a:t>
+              <a:t>10/16/16</a:t>
             </a:fld>
             <a:endParaRPr lang="en-US"/>
           </a:p>
@@ -1061,7 +1064,7 @@
           <a:p>
             <a:fld id="{6BFECD78-3C8E-49F2-8FAB-59489D168ABB}" type="datetimeFigureOut">
               <a:rPr lang="en-US" smtClean="0"/>
-              <a:t>9/29/16</a:t>
+              <a:t>10/16/16</a:t>
             </a:fld>
             <a:endParaRPr lang="en-US"/>
           </a:p>
@@ -1349,7 +1352,7 @@
           <a:p>
             <a:fld id="{6BFECD78-3C8E-49F2-8FAB-59489D168ABB}" type="datetimeFigureOut">
               <a:rPr lang="en-US" smtClean="0"/>
-              <a:t>9/29/16</a:t>
+              <a:t>10/16/16</a:t>
             </a:fld>
             <a:endParaRPr lang="en-US"/>
           </a:p>
@@ -1771,7 +1774,7 @@
           <a:p>
             <a:fld id="{6BFECD78-3C8E-49F2-8FAB-59489D168ABB}" type="datetimeFigureOut">
               <a:rPr lang="en-US" smtClean="0"/>
-              <a:t>9/29/16</a:t>
+              <a:t>10/16/16</a:t>
             </a:fld>
             <a:endParaRPr lang="en-US"/>
           </a:p>
@@ -1889,7 +1892,7 @@
           <a:p>
             <a:fld id="{6BFECD78-3C8E-49F2-8FAB-59489D168ABB}" type="datetimeFigureOut">
               <a:rPr lang="en-US" smtClean="0"/>
-              <a:t>9/29/16</a:t>
+              <a:t>10/16/16</a:t>
             </a:fld>
             <a:endParaRPr lang="en-US"/>
           </a:p>
@@ -1984,7 +1987,7 @@
           <a:p>
             <a:fld id="{6BFECD78-3C8E-49F2-8FAB-59489D168ABB}" type="datetimeFigureOut">
               <a:rPr lang="en-US" smtClean="0"/>
-              <a:t>9/29/16</a:t>
+              <a:t>10/16/16</a:t>
             </a:fld>
             <a:endParaRPr lang="en-US"/>
           </a:p>
@@ -2261,7 +2264,7 @@
           <a:p>
             <a:fld id="{6BFECD78-3C8E-49F2-8FAB-59489D168ABB}" type="datetimeFigureOut">
               <a:rPr lang="en-US" smtClean="0"/>
-              <a:t>9/29/16</a:t>
+              <a:t>10/16/16</a:t>
             </a:fld>
             <a:endParaRPr lang="en-US"/>
           </a:p>
@@ -2518,7 +2521,7 @@
           <a:p>
             <a:fld id="{6BFECD78-3C8E-49F2-8FAB-59489D168ABB}" type="datetimeFigureOut">
               <a:rPr lang="en-US" smtClean="0"/>
-              <a:t>9/29/16</a:t>
+              <a:t>10/16/16</a:t>
             </a:fld>
             <a:endParaRPr lang="en-US"/>
           </a:p>
@@ -2731,7 +2734,7 @@
           <a:p>
             <a:fld id="{6BFECD78-3C8E-49F2-8FAB-59489D168ABB}" type="datetimeFigureOut">
               <a:rPr lang="en-US" smtClean="0"/>
-              <a:t>9/29/16</a:t>
+              <a:t>10/16/16</a:t>
             </a:fld>
             <a:endParaRPr lang="en-US"/>
           </a:p>
@@ -3118,7 +3121,9 @@
         </p:nvSpPr>
         <p:spPr/>
         <p:txBody>
-          <a:bodyPr/>
+          <a:bodyPr>
+            <a:normAutofit fontScale="90000"/>
+          </a:bodyPr>
           <a:lstStyle/>
           <a:p>
             <a:r>
@@ -3135,6 +3140,13 @@
             <a:r>
               <a:rPr lang="en-US" dirty="0" smtClean="0"/>
               <a:t>Macy's</a:t>
+            </a:r>
+            <a:br>
+              <a:rPr lang="en-US" dirty="0" smtClean="0"/>
+            </a:br>
+            <a:r>
+              <a:rPr lang="en-US" dirty="0" smtClean="0"/>
+              <a:t>Day 3</a:t>
             </a:r>
             <a:endParaRPr lang="en-US" dirty="0"/>
           </a:p>
@@ -3187,6 +3199,617 @@
     <p:extLst>
       <p:ext uri="{BB962C8B-B14F-4D97-AF65-F5344CB8AC3E}">
         <p14:creationId xmlns:p14="http://schemas.microsoft.com/office/powerpoint/2010/main" val="721873315"/>
+      </p:ext>
+    </p:extLst>
+  </p:cSld>
+  <p:clrMapOvr>
+    <a:masterClrMapping/>
+  </p:clrMapOvr>
+  <p:timing>
+    <p:tnLst>
+      <p:par>
+        <p:cTn xmlns:p14="http://schemas.microsoft.com/office/powerpoint/2010/main" id="1" dur="indefinite" restart="never" nodeType="tmRoot"/>
+      </p:par>
+    </p:tnLst>
+  </p:timing>
+</p:sld>
+</file>
+
+<file path=ppt/slides/slide10.xml><?xml version="1.0" encoding="utf-8"?>
+<p:sld xmlns:a="http://schemas.openxmlformats.org/drawingml/2006/main" xmlns:r="http://schemas.openxmlformats.org/officeDocument/2006/relationships" xmlns:p="http://schemas.openxmlformats.org/presentationml/2006/main">
+  <p:cSld>
+    <p:spTree>
+      <p:nvGrpSpPr>
+        <p:cNvPr id="1" name=""/>
+        <p:cNvGrpSpPr/>
+        <p:nvPr/>
+      </p:nvGrpSpPr>
+      <p:grpSpPr>
+        <a:xfrm>
+          <a:off x="0" y="0"/>
+          <a:ext cx="0" cy="0"/>
+          <a:chOff x="0" y="0"/>
+          <a:chExt cx="0" cy="0"/>
+        </a:xfrm>
+      </p:grpSpPr>
+      <p:sp>
+        <p:nvSpPr>
+          <p:cNvPr id="2" name="Title 1"/>
+          <p:cNvSpPr>
+            <a:spLocks noGrp="1"/>
+          </p:cNvSpPr>
+          <p:nvPr>
+            <p:ph type="ctrTitle"/>
+          </p:nvPr>
+        </p:nvSpPr>
+        <p:spPr>
+          <a:xfrm>
+            <a:off x="685800" y="160685"/>
+            <a:ext cx="7772400" cy="1470025"/>
+          </a:xfrm>
+        </p:spPr>
+        <p:txBody>
+          <a:bodyPr/>
+          <a:lstStyle/>
+          <a:p>
+            <a:r>
+              <a:rPr lang="en-US" dirty="0" smtClean="0"/>
+              <a:t>React</a:t>
+            </a:r>
+            <a:endParaRPr lang="en-US" dirty="0"/>
+          </a:p>
+        </p:txBody>
+      </p:sp>
+      <p:sp>
+        <p:nvSpPr>
+          <p:cNvPr id="3" name="Subtitle 2"/>
+          <p:cNvSpPr>
+            <a:spLocks noGrp="1"/>
+          </p:cNvSpPr>
+          <p:nvPr>
+            <p:ph type="subTitle" idx="1"/>
+          </p:nvPr>
+        </p:nvSpPr>
+        <p:spPr>
+          <a:xfrm>
+            <a:off x="454651" y="1630710"/>
+            <a:ext cx="8371875" cy="4609893"/>
+          </a:xfrm>
+        </p:spPr>
+        <p:txBody>
+          <a:bodyPr>
+            <a:normAutofit/>
+          </a:bodyPr>
+          <a:lstStyle/>
+          <a:p>
+            <a:pPr marL="342900" indent="-342900" algn="l">
+              <a:buFont typeface="Arial"/>
+              <a:buChar char="•"/>
+            </a:pPr>
+            <a:r>
+              <a:rPr lang="en-US" sz="2000" dirty="0" smtClean="0"/>
+              <a:t>JSX</a:t>
+            </a:r>
+          </a:p>
+          <a:p>
+            <a:pPr marL="342900" indent="-342900" algn="l">
+              <a:buFont typeface="Arial"/>
+              <a:buChar char="•"/>
+            </a:pPr>
+            <a:r>
+              <a:rPr lang="en-US" sz="2000" dirty="0" err="1"/>
+              <a:t>Javascript</a:t>
+            </a:r>
+            <a:r>
+              <a:rPr lang="en-US" sz="2000" dirty="0"/>
+              <a:t> XML syntax </a:t>
+            </a:r>
+            <a:r>
+              <a:rPr lang="en-US" sz="2000" dirty="0" smtClean="0"/>
+              <a:t>transform</a:t>
+            </a:r>
+          </a:p>
+          <a:p>
+            <a:pPr marL="342900" indent="-342900" algn="l">
+              <a:buFont typeface="Arial"/>
+              <a:buChar char="•"/>
+            </a:pPr>
+            <a:r>
+              <a:rPr lang="en-US" sz="2000" dirty="0" smtClean="0"/>
+              <a:t>Access API via XML (</a:t>
+            </a:r>
+            <a:r>
+              <a:rPr lang="en-US" sz="2000" dirty="0" err="1" smtClean="0"/>
+              <a:t>pseudoHTML</a:t>
+            </a:r>
+            <a:r>
+              <a:rPr lang="en-US" sz="2000" dirty="0" smtClean="0"/>
+              <a:t>) instead of JS</a:t>
+            </a:r>
+          </a:p>
+          <a:p>
+            <a:pPr marL="342900" indent="-342900" algn="l">
+              <a:buFont typeface="Arial"/>
+              <a:buChar char="•"/>
+            </a:pPr>
+            <a:r>
+              <a:rPr lang="en-US" sz="2000" dirty="0" smtClean="0"/>
+              <a:t>Requires </a:t>
+            </a:r>
+            <a:r>
+              <a:rPr lang="en-US" sz="2000" dirty="0" err="1" smtClean="0"/>
+              <a:t>transpiliation</a:t>
+            </a:r>
+            <a:r>
+              <a:rPr lang="en-US" sz="2000" dirty="0" smtClean="0"/>
+              <a:t> during build step</a:t>
+            </a:r>
+          </a:p>
+          <a:p>
+            <a:pPr marL="342900" indent="-342900" algn="l">
+              <a:buFont typeface="Arial"/>
+              <a:buChar char="•"/>
+            </a:pPr>
+            <a:endParaRPr lang="en-US" sz="2000" dirty="0"/>
+          </a:p>
+          <a:p>
+            <a:pPr algn="l"/>
+            <a:r>
+              <a:rPr lang="en-US" sz="2000" dirty="0" err="1"/>
+              <a:t>var</a:t>
+            </a:r>
+            <a:r>
+              <a:rPr lang="en-US" sz="2000" dirty="0"/>
+              <a:t> </a:t>
+            </a:r>
+            <a:r>
+              <a:rPr lang="en-US" sz="2000" dirty="0" err="1"/>
+              <a:t>MyComponent</a:t>
+            </a:r>
+            <a:r>
+              <a:rPr lang="en-US" sz="2000" dirty="0"/>
+              <a:t> = </a:t>
+            </a:r>
+            <a:r>
+              <a:rPr lang="en-US" sz="2000" dirty="0" err="1"/>
+              <a:t>React.createClass</a:t>
+            </a:r>
+            <a:r>
+              <a:rPr lang="en-US" sz="2000" dirty="0"/>
+              <a:t>({</a:t>
+            </a:r>
+          </a:p>
+          <a:p>
+            <a:pPr algn="l"/>
+            <a:r>
+              <a:rPr lang="en-US" sz="2000" dirty="0"/>
+              <a:t>    render: function(){</a:t>
+            </a:r>
+          </a:p>
+          <a:p>
+            <a:pPr algn="l"/>
+            <a:r>
+              <a:rPr lang="en-US" sz="2000" dirty="0"/>
+              <a:t>        return </a:t>
+            </a:r>
+            <a:r>
+              <a:rPr lang="en-US" sz="2000" dirty="0" smtClean="0"/>
+              <a:t>&lt;</a:t>
+            </a:r>
+            <a:r>
+              <a:rPr lang="en-US" sz="2000" dirty="0"/>
+              <a:t>h1&gt;Hello, world!&lt;/h1</a:t>
+            </a:r>
+            <a:r>
+              <a:rPr lang="en-US" sz="2000" dirty="0" smtClean="0"/>
+              <a:t>&gt;;</a:t>
+            </a:r>
+            <a:endParaRPr lang="en-US" sz="2000" dirty="0"/>
+          </a:p>
+          <a:p>
+            <a:pPr algn="l"/>
+            <a:r>
+              <a:rPr lang="en-US" sz="2000" dirty="0"/>
+              <a:t>    }</a:t>
+            </a:r>
+          </a:p>
+          <a:p>
+            <a:pPr algn="l"/>
+            <a:r>
+              <a:rPr lang="en-US" sz="2000" dirty="0"/>
+              <a:t>})</a:t>
+            </a:r>
+            <a:r>
+              <a:rPr lang="en-US" sz="2000" dirty="0" smtClean="0"/>
+              <a:t>;</a:t>
+            </a:r>
+          </a:p>
+          <a:p>
+            <a:pPr algn="l"/>
+            <a:r>
+              <a:rPr lang="en-US" sz="2000" dirty="0" err="1"/>
+              <a:t>ReactDOM.render</a:t>
+            </a:r>
+            <a:r>
+              <a:rPr lang="en-US" sz="2000" dirty="0" smtClean="0"/>
+              <a:t>( &lt;</a:t>
+            </a:r>
+            <a:r>
+              <a:rPr lang="en-US" sz="2000" dirty="0" err="1"/>
+              <a:t>MyComponent</a:t>
+            </a:r>
+            <a:r>
+              <a:rPr lang="en-US" sz="2000" dirty="0"/>
+              <a:t>/&gt;</a:t>
+            </a:r>
+            <a:r>
+              <a:rPr lang="en-US" sz="2000" dirty="0" smtClean="0"/>
+              <a:t>, </a:t>
+            </a:r>
+            <a:r>
+              <a:rPr lang="en-US" sz="2000" dirty="0" err="1" smtClean="0"/>
+              <a:t>document.getElementById</a:t>
+            </a:r>
+            <a:r>
+              <a:rPr lang="en-US" sz="2000" dirty="0"/>
+              <a:t>('</a:t>
+            </a:r>
+            <a:r>
+              <a:rPr lang="en-US" sz="2000" dirty="0" err="1"/>
+              <a:t>myDiv</a:t>
+            </a:r>
+            <a:r>
+              <a:rPr lang="en-US" sz="2000" dirty="0"/>
+              <a:t>'</a:t>
+            </a:r>
+            <a:r>
+              <a:rPr lang="en-US" sz="2000" dirty="0" smtClean="0"/>
+              <a:t>) )</a:t>
+            </a:r>
+            <a:r>
+              <a:rPr lang="en-US" sz="2000" dirty="0"/>
+              <a:t>;</a:t>
+            </a:r>
+            <a:endParaRPr lang="en-US" sz="2000" dirty="0" smtClean="0"/>
+          </a:p>
+        </p:txBody>
+      </p:sp>
+    </p:spTree>
+    <p:extLst>
+      <p:ext uri="{BB962C8B-B14F-4D97-AF65-F5344CB8AC3E}">
+        <p14:creationId xmlns:p14="http://schemas.microsoft.com/office/powerpoint/2010/main" val="3833483806"/>
+      </p:ext>
+    </p:extLst>
+  </p:cSld>
+  <p:clrMapOvr>
+    <a:masterClrMapping/>
+  </p:clrMapOvr>
+  <p:timing>
+    <p:tnLst>
+      <p:par>
+        <p:cTn xmlns:p14="http://schemas.microsoft.com/office/powerpoint/2010/main" id="1" dur="indefinite" restart="never" nodeType="tmRoot"/>
+      </p:par>
+    </p:tnLst>
+  </p:timing>
+</p:sld>
+</file>
+
+<file path=ppt/slides/slide11.xml><?xml version="1.0" encoding="utf-8"?>
+<p:sld xmlns:a="http://schemas.openxmlformats.org/drawingml/2006/main" xmlns:r="http://schemas.openxmlformats.org/officeDocument/2006/relationships" xmlns:p="http://schemas.openxmlformats.org/presentationml/2006/main">
+  <p:cSld>
+    <p:spTree>
+      <p:nvGrpSpPr>
+        <p:cNvPr id="1" name=""/>
+        <p:cNvGrpSpPr/>
+        <p:nvPr/>
+      </p:nvGrpSpPr>
+      <p:grpSpPr>
+        <a:xfrm>
+          <a:off x="0" y="0"/>
+          <a:ext cx="0" cy="0"/>
+          <a:chOff x="0" y="0"/>
+          <a:chExt cx="0" cy="0"/>
+        </a:xfrm>
+      </p:grpSpPr>
+      <p:sp>
+        <p:nvSpPr>
+          <p:cNvPr id="2" name="Title 1"/>
+          <p:cNvSpPr>
+            <a:spLocks noGrp="1"/>
+          </p:cNvSpPr>
+          <p:nvPr>
+            <p:ph type="ctrTitle"/>
+          </p:nvPr>
+        </p:nvSpPr>
+        <p:spPr>
+          <a:xfrm>
+            <a:off x="685800" y="160685"/>
+            <a:ext cx="7772400" cy="1470025"/>
+          </a:xfrm>
+        </p:spPr>
+        <p:txBody>
+          <a:bodyPr/>
+          <a:lstStyle/>
+          <a:p>
+            <a:r>
+              <a:rPr lang="en-US" dirty="0" smtClean="0"/>
+              <a:t>React</a:t>
+            </a:r>
+            <a:endParaRPr lang="en-US" dirty="0"/>
+          </a:p>
+        </p:txBody>
+      </p:sp>
+      <p:sp>
+        <p:nvSpPr>
+          <p:cNvPr id="3" name="Subtitle 2"/>
+          <p:cNvSpPr>
+            <a:spLocks noGrp="1"/>
+          </p:cNvSpPr>
+          <p:nvPr>
+            <p:ph type="subTitle" idx="1"/>
+          </p:nvPr>
+        </p:nvSpPr>
+        <p:spPr>
+          <a:xfrm>
+            <a:off x="454651" y="1630710"/>
+            <a:ext cx="8371875" cy="4609893"/>
+          </a:xfrm>
+        </p:spPr>
+        <p:txBody>
+          <a:bodyPr>
+            <a:normAutofit fontScale="85000" lnSpcReduction="10000"/>
+          </a:bodyPr>
+          <a:lstStyle/>
+          <a:p>
+            <a:pPr marL="342900" indent="-342900" algn="l">
+              <a:buFont typeface="Arial"/>
+              <a:buChar char="•"/>
+            </a:pPr>
+            <a:r>
+              <a:rPr lang="en-US" sz="2000" dirty="0" smtClean="0"/>
+              <a:t>Data model: state and props</a:t>
+            </a:r>
+          </a:p>
+          <a:p>
+            <a:pPr marL="342900" indent="-342900" algn="l">
+              <a:buFont typeface="Arial"/>
+              <a:buChar char="•"/>
+            </a:pPr>
+            <a:r>
+              <a:rPr lang="en-US" sz="2000" dirty="0" smtClean="0"/>
+              <a:t>State represents values within the </a:t>
+            </a:r>
+            <a:r>
+              <a:rPr lang="en-US" sz="2000" dirty="0"/>
+              <a:t>current </a:t>
+            </a:r>
+            <a:r>
+              <a:rPr lang="en-US" sz="2000" dirty="0" smtClean="0"/>
+              <a:t>component</a:t>
+            </a:r>
+          </a:p>
+          <a:p>
+            <a:pPr marL="342900" indent="-342900" algn="l">
+              <a:buFont typeface="Arial"/>
+              <a:buChar char="•"/>
+            </a:pPr>
+            <a:r>
+              <a:rPr lang="en-US" sz="2000" dirty="0" smtClean="0"/>
+              <a:t>Props represents values passed in from parent component</a:t>
+            </a:r>
+          </a:p>
+          <a:p>
+            <a:pPr algn="l"/>
+            <a:endParaRPr lang="en-US" sz="2000" dirty="0"/>
+          </a:p>
+          <a:p>
+            <a:pPr algn="l"/>
+            <a:r>
+              <a:rPr lang="en-US" sz="2000" dirty="0" err="1"/>
+              <a:t>var</a:t>
+            </a:r>
+            <a:r>
+              <a:rPr lang="en-US" sz="2000" dirty="0"/>
+              <a:t> </a:t>
+            </a:r>
+            <a:r>
+              <a:rPr lang="en-US" sz="2000" dirty="0" err="1" smtClean="0"/>
+              <a:t>RealTimeInput</a:t>
+            </a:r>
+            <a:r>
+              <a:rPr lang="en-US" sz="2000" dirty="0" smtClean="0"/>
+              <a:t> = </a:t>
+            </a:r>
+            <a:r>
+              <a:rPr lang="en-US" sz="2000" dirty="0" err="1"/>
+              <a:t>React.createClass</a:t>
+            </a:r>
+            <a:r>
+              <a:rPr lang="en-US" sz="2000" dirty="0"/>
+              <a:t>({</a:t>
+            </a:r>
+          </a:p>
+          <a:p>
+            <a:pPr algn="l"/>
+            <a:r>
+              <a:rPr lang="en-US" sz="2000" dirty="0" smtClean="0"/>
+              <a:t>  render</a:t>
+            </a:r>
+            <a:r>
+              <a:rPr lang="en-US" sz="2000" dirty="0"/>
+              <a:t>: function() {</a:t>
+            </a:r>
+          </a:p>
+          <a:p>
+            <a:pPr algn="l"/>
+            <a:r>
+              <a:rPr lang="en-US" sz="2000" dirty="0"/>
+              <a:t>    </a:t>
+            </a:r>
+            <a:r>
+              <a:rPr lang="en-US" sz="2000" dirty="0" err="1"/>
+              <a:t>var</a:t>
+            </a:r>
+            <a:r>
+              <a:rPr lang="en-US" sz="2000" dirty="0"/>
+              <a:t> message = </a:t>
+            </a:r>
+            <a:r>
+              <a:rPr lang="en-US" sz="2000" dirty="0" err="1"/>
+              <a:t>this.state.message</a:t>
+            </a:r>
+            <a:r>
+              <a:rPr lang="en-US" sz="2000" dirty="0"/>
+              <a:t>;</a:t>
+            </a:r>
+          </a:p>
+          <a:p>
+            <a:pPr algn="l"/>
+            <a:r>
+              <a:rPr lang="en-US" sz="2000" dirty="0"/>
+              <a:t>    return &lt;input type="text" value={message} </a:t>
+            </a:r>
+            <a:r>
+              <a:rPr lang="en-US" sz="2000" dirty="0" err="1"/>
+              <a:t>onChange</a:t>
+            </a:r>
+            <a:r>
+              <a:rPr lang="en-US" sz="2000" dirty="0"/>
+              <a:t>={</a:t>
+            </a:r>
+            <a:r>
+              <a:rPr lang="en-US" sz="2000" dirty="0" err="1"/>
+              <a:t>this.handleChange</a:t>
+            </a:r>
+            <a:r>
+              <a:rPr lang="en-US" sz="2000" dirty="0"/>
+              <a:t>} /&gt;;</a:t>
+            </a:r>
+          </a:p>
+          <a:p>
+            <a:pPr algn="l"/>
+            <a:r>
+              <a:rPr lang="en-US" sz="2000" dirty="0"/>
+              <a:t>  </a:t>
+            </a:r>
+            <a:r>
+              <a:rPr lang="en-US" sz="2000" dirty="0" smtClean="0"/>
+              <a:t>},</a:t>
+            </a:r>
+          </a:p>
+          <a:p>
+            <a:pPr algn="l"/>
+            <a:r>
+              <a:rPr lang="en-US" sz="2000" dirty="0"/>
+              <a:t> </a:t>
+            </a:r>
+            <a:r>
+              <a:rPr lang="en-US" sz="2000" dirty="0" err="1"/>
+              <a:t>handleChange</a:t>
+            </a:r>
+            <a:r>
+              <a:rPr lang="en-US" sz="2000" dirty="0"/>
+              <a:t>: function(event) {</a:t>
+            </a:r>
+          </a:p>
+          <a:p>
+            <a:pPr algn="l"/>
+            <a:r>
+              <a:rPr lang="en-US" sz="2000" dirty="0"/>
+              <a:t>    </a:t>
+            </a:r>
+            <a:r>
+              <a:rPr lang="en-US" sz="2000" dirty="0" err="1"/>
+              <a:t>this.setState</a:t>
+            </a:r>
+            <a:r>
+              <a:rPr lang="en-US" sz="2000" dirty="0"/>
+              <a:t>({message: </a:t>
+            </a:r>
+            <a:r>
+              <a:rPr lang="en-US" sz="2000" dirty="0" err="1"/>
+              <a:t>event.target.value</a:t>
+            </a:r>
+            <a:r>
+              <a:rPr lang="en-US" sz="2000" dirty="0"/>
+              <a:t>});</a:t>
+            </a:r>
+          </a:p>
+          <a:p>
+            <a:pPr algn="l"/>
+            <a:r>
+              <a:rPr lang="en-US" sz="2000" dirty="0"/>
+              <a:t>  }</a:t>
+            </a:r>
+            <a:r>
+              <a:rPr lang="en-US" sz="2000" dirty="0" smtClean="0"/>
+              <a:t>,</a:t>
+            </a:r>
+          </a:p>
+          <a:p>
+            <a:pPr algn="l"/>
+            <a:r>
+              <a:rPr lang="en-US" sz="2000" dirty="0" smtClean="0"/>
+              <a:t> </a:t>
+            </a:r>
+            <a:r>
+              <a:rPr lang="en-US" sz="2000" dirty="0" err="1"/>
+              <a:t>getInitialState</a:t>
+            </a:r>
+            <a:r>
+              <a:rPr lang="en-US" sz="2000" dirty="0"/>
+              <a:t>: function() {</a:t>
+            </a:r>
+          </a:p>
+          <a:p>
+            <a:pPr algn="l"/>
+            <a:r>
+              <a:rPr lang="en-US" sz="2000" dirty="0"/>
+              <a:t>    return {message: </a:t>
+            </a:r>
+            <a:r>
+              <a:rPr lang="en-US" sz="2000" dirty="0" err="1" smtClean="0"/>
+              <a:t>this.props.message</a:t>
+            </a:r>
+            <a:r>
+              <a:rPr lang="en-US" sz="2000" dirty="0" smtClean="0"/>
+              <a:t> || '</a:t>
+            </a:r>
+            <a:r>
+              <a:rPr lang="en-US" sz="2000" dirty="0"/>
+              <a:t>Hello!'};</a:t>
+            </a:r>
+          </a:p>
+          <a:p>
+            <a:pPr algn="l"/>
+            <a:r>
+              <a:rPr lang="en-US" sz="2000" dirty="0"/>
+              <a:t>  </a:t>
+            </a:r>
+            <a:r>
+              <a:rPr lang="en-US" sz="2000" dirty="0" smtClean="0"/>
+              <a:t>}</a:t>
+            </a:r>
+            <a:endParaRPr lang="en-US" sz="2000" dirty="0"/>
+          </a:p>
+          <a:p>
+            <a:pPr algn="l"/>
+            <a:r>
+              <a:rPr lang="en-US" sz="2000" dirty="0" smtClean="0"/>
+              <a:t>}</a:t>
+            </a:r>
+            <a:r>
+              <a:rPr lang="en-US" sz="2000" dirty="0"/>
+              <a:t>);</a:t>
+            </a:r>
+            <a:endParaRPr lang="en-US" sz="2000" dirty="0" smtClean="0"/>
+          </a:p>
+        </p:txBody>
+      </p:sp>
+    </p:spTree>
+    <p:extLst>
+      <p:ext uri="{BB962C8B-B14F-4D97-AF65-F5344CB8AC3E}">
+        <p14:creationId xmlns:p14="http://schemas.microsoft.com/office/powerpoint/2010/main" val="3551643865"/>
       </p:ext>
     </p:extLst>
   </p:cSld>
@@ -3250,11 +3873,7 @@
             </a:r>
             <a:r>
               <a:rPr lang="en-US" dirty="0" smtClean="0"/>
-              <a:t> </a:t>
-            </a:r>
-            <a:r>
-              <a:rPr lang="en-US" dirty="0" smtClean="0"/>
-              <a:t>Schedule</a:t>
+              <a:t> Schedule</a:t>
             </a:r>
             <a:endParaRPr lang="en-US" dirty="0"/>
           </a:p>
@@ -3288,11 +3907,17 @@
             </a:pPr>
             <a:r>
               <a:rPr lang="en-US" dirty="0" smtClean="0"/>
-              <a:t>Quick </a:t>
-            </a:r>
+              <a:t>Quick review</a:t>
+            </a:r>
+          </a:p>
+          <a:p>
+            <a:pPr marL="457200" indent="-457200" algn="l">
+              <a:buFont typeface="Arial"/>
+              <a:buChar char="•"/>
+            </a:pPr>
             <a:r>
               <a:rPr lang="en-US" dirty="0" smtClean="0"/>
-              <a:t>review</a:t>
+              <a:t>Marionette intro</a:t>
             </a:r>
           </a:p>
           <a:p>
@@ -3302,7 +3927,17 @@
             </a:pPr>
             <a:r>
               <a:rPr lang="en-US" dirty="0" smtClean="0"/>
-              <a:t>Routing</a:t>
+              <a:t>Marionette Routing</a:t>
+            </a:r>
+          </a:p>
+          <a:p>
+            <a:pPr marL="457200" indent="-457200" algn="l">
+              <a:buFont typeface="Arial"/>
+              <a:buChar char="•"/>
+            </a:pPr>
+            <a:r>
+              <a:rPr lang="en-US" dirty="0" smtClean="0"/>
+              <a:t>lunch</a:t>
             </a:r>
             <a:endParaRPr lang="en-US" dirty="0"/>
           </a:p>
@@ -3388,7 +4023,7 @@
           <a:p>
             <a:r>
               <a:rPr lang="en-US" dirty="0" smtClean="0"/>
-              <a:t>Backbone Routing</a:t>
+              <a:t>Why Marionette?</a:t>
             </a:r>
             <a:endParaRPr lang="en-US" dirty="0"/>
           </a:p>
@@ -3422,7 +4057,27 @@
             </a:pPr>
             <a:r>
               <a:rPr lang="en-US" sz="2000" dirty="0" smtClean="0"/>
-              <a:t>Like server-side routing – connects URI to an action</a:t>
+              <a:t>Patterns in plain Backbone start to get redundant</a:t>
+            </a:r>
+          </a:p>
+          <a:p>
+            <a:pPr marL="800100" lvl="1" indent="-342900" algn="l">
+              <a:buFont typeface="Arial"/>
+              <a:buChar char="•"/>
+            </a:pPr>
+            <a:r>
+              <a:rPr lang="en-US" sz="1600" dirty="0" smtClean="0"/>
+              <a:t>Connecting view renders to collection events</a:t>
+            </a:r>
+          </a:p>
+          <a:p>
+            <a:pPr marL="800100" lvl="1" indent="-342900" algn="l">
+              <a:buFont typeface="Arial"/>
+              <a:buChar char="•"/>
+            </a:pPr>
+            <a:r>
+              <a:rPr lang="en-US" sz="1600" dirty="0" smtClean="0"/>
+              <a:t>De-referencing views when model removed</a:t>
             </a:r>
           </a:p>
           <a:p>
@@ -3432,15 +4087,52 @@
             </a:pPr>
             <a:r>
               <a:rPr lang="en-US" sz="2000" dirty="0" smtClean="0"/>
-              <a:t>Think </a:t>
-            </a:r>
-            <a:r>
-              <a:rPr lang="en-US" sz="2000" dirty="0" err="1" smtClean="0"/>
-              <a:t>gmail</a:t>
-            </a:r>
-            <a:r>
-              <a:rPr lang="en-US" sz="2000" dirty="0" smtClean="0"/>
-              <a:t>: URI can represent one email, search results, edit contact</a:t>
+              <a:t>Backbone doesn't provide higher-level structure</a:t>
+            </a:r>
+          </a:p>
+          <a:p>
+            <a:pPr marL="800100" lvl="1" indent="-342900" algn="l">
+              <a:buFont typeface="Arial"/>
+              <a:buChar char="•"/>
+            </a:pPr>
+            <a:r>
+              <a:rPr lang="en-US" sz="1600" dirty="0" smtClean="0"/>
+              <a:t>Application structure</a:t>
+            </a:r>
+          </a:p>
+          <a:p>
+            <a:pPr marL="800100" lvl="1" indent="-342900" algn="l">
+              <a:buFont typeface="Arial"/>
+              <a:buChar char="•"/>
+            </a:pPr>
+            <a:r>
+              <a:rPr lang="en-US" sz="1600" dirty="0" smtClean="0"/>
+              <a:t>App setup / </a:t>
+            </a:r>
+            <a:r>
+              <a:rPr lang="en-US" sz="1600" dirty="0" err="1" smtClean="0"/>
+              <a:t>init</a:t>
+            </a:r>
+            <a:endParaRPr lang="en-US" sz="1600" dirty="0" smtClean="0"/>
+          </a:p>
+          <a:p>
+            <a:pPr marL="800100" lvl="1" indent="-342900" algn="l">
+              <a:buFont typeface="Arial"/>
+              <a:buChar char="•"/>
+            </a:pPr>
+            <a:r>
+              <a:rPr lang="en-US" sz="1600" dirty="0" smtClean="0"/>
+              <a:t>External data load</a:t>
+            </a:r>
+          </a:p>
+          <a:p>
+            <a:pPr marL="800100" lvl="1" indent="-342900" algn="l">
+              <a:buFont typeface="Arial"/>
+              <a:buChar char="•"/>
+            </a:pPr>
+            <a:r>
+              <a:rPr lang="en-US" sz="1600" dirty="0" smtClean="0"/>
+              <a:t>Sharing code between components</a:t>
             </a:r>
           </a:p>
           <a:p>
@@ -3450,45 +4142,8 @@
             </a:pPr>
             <a:r>
               <a:rPr lang="en-US" sz="2000" dirty="0" smtClean="0"/>
-              <a:t>Backbone router acts on hash fragment or History API</a:t>
-            </a:r>
-          </a:p>
-          <a:p>
-            <a:pPr marL="342900" indent="-342900" algn="l">
-              <a:buFont typeface="Arial"/>
-              <a:buChar char="•"/>
-            </a:pPr>
-            <a:r>
-              <a:rPr lang="en-US" sz="2000" dirty="0" smtClean="0"/>
-              <a:t>Once page has loaded, call </a:t>
-            </a:r>
-            <a:r>
-              <a:rPr lang="en-US" sz="2000" dirty="0" err="1" smtClean="0"/>
-              <a:t>Backbone.history.start</a:t>
-            </a:r>
-            <a:r>
-              <a:rPr lang="en-US" sz="2000" dirty="0"/>
-              <a:t>(</a:t>
-            </a:r>
-            <a:r>
-              <a:rPr lang="en-US" sz="2000" dirty="0" smtClean="0"/>
-              <a:t>)</a:t>
-            </a:r>
-          </a:p>
-          <a:p>
-            <a:pPr marL="342900" indent="-342900" algn="l">
-              <a:buFont typeface="Arial"/>
-              <a:buChar char="•"/>
-            </a:pPr>
-            <a:r>
-              <a:rPr lang="en-US" sz="2000" dirty="0" smtClean="0"/>
-              <a:t>Mark significant </a:t>
-            </a:r>
-            <a:r>
-              <a:rPr lang="en-US" sz="2000" dirty="0"/>
-              <a:t>actions with .navigate(fragment, [options]) </a:t>
-            </a:r>
-            <a:endParaRPr lang="en-US" sz="2000" dirty="0" smtClean="0"/>
+              <a:t>Backbone doesn't provide support for more complex layouts</a:t>
+            </a:r>
           </a:p>
           <a:p>
             <a:pPr marL="800100" lvl="1" indent="-342900" algn="l">
@@ -3497,45 +4152,17 @@
             </a:pPr>
             <a:r>
               <a:rPr lang="en-US" sz="1600" dirty="0" smtClean="0"/>
-              <a:t>:</a:t>
-            </a:r>
-            <a:r>
-              <a:rPr lang="en-US" sz="1600" dirty="0" err="1" smtClean="0"/>
-              <a:t>params</a:t>
-            </a:r>
+              <a:t>Nested relationships</a:t>
+            </a:r>
+          </a:p>
+          <a:p>
+            <a:pPr marL="800100" lvl="1" indent="-342900" algn="l">
+              <a:buFont typeface="Arial"/>
+              <a:buChar char="•"/>
+            </a:pPr>
             <a:r>
               <a:rPr lang="en-US" sz="1600" dirty="0" smtClean="0"/>
-              <a:t> for one section</a:t>
-            </a:r>
-          </a:p>
-          <a:p>
-            <a:pPr marL="800100" lvl="1" indent="-342900" algn="l">
-              <a:buFont typeface="Arial"/>
-              <a:buChar char="•"/>
-            </a:pPr>
-            <a:r>
-              <a:rPr lang="en-US" sz="1600" dirty="0" smtClean="0"/>
-              <a:t>*splats for multiple</a:t>
-            </a:r>
-          </a:p>
-          <a:p>
-            <a:pPr marL="800100" lvl="1" indent="-342900" algn="l">
-              <a:buFont typeface="Arial"/>
-              <a:buChar char="•"/>
-            </a:pPr>
-            <a:r>
-              <a:rPr lang="en-US" sz="1600" dirty="0" smtClean="0"/>
-              <a:t>Nest with parentheses</a:t>
-            </a:r>
-          </a:p>
-          <a:p>
-            <a:pPr marL="800100" lvl="1" indent="-342900" algn="l">
-              <a:buFont typeface="Arial"/>
-              <a:buChar char="•"/>
-            </a:pPr>
-            <a:r>
-              <a:rPr lang="en-US" sz="1600" dirty="0" smtClean="0"/>
-              <a:t>Note slashes count as unique URIs</a:t>
+              <a:t>Swap out views within same page area</a:t>
             </a:r>
           </a:p>
         </p:txBody>
@@ -3543,7 +4170,7 @@
     </p:spTree>
     <p:extLst>
       <p:ext uri="{BB962C8B-B14F-4D97-AF65-F5344CB8AC3E}">
-        <p14:creationId xmlns:p14="http://schemas.microsoft.com/office/powerpoint/2010/main" val="2791365468"/>
+        <p14:creationId xmlns:p14="http://schemas.microsoft.com/office/powerpoint/2010/main" val="1640063570"/>
       </p:ext>
     </p:extLst>
   </p:cSld>
@@ -3599,7 +4226,7 @@
           <a:p>
             <a:r>
               <a:rPr lang="en-US" dirty="0" smtClean="0"/>
-              <a:t>Lab: Backbone Routing</a:t>
+              <a:t>Marionette solutions</a:t>
             </a:r>
             <a:endParaRPr lang="en-US" dirty="0"/>
           </a:p>
@@ -3632,8 +4259,20 @@
               <a:buChar char="•"/>
             </a:pPr>
             <a:r>
-              <a:rPr lang="en-US" sz="2000" dirty="0" smtClean="0"/>
-              <a:t>Hook up routes to an action</a:t>
+              <a:rPr lang="en-US" sz="2000" dirty="0" err="1" smtClean="0"/>
+              <a:t>CollectionView</a:t>
+            </a:r>
+            <a:r>
+              <a:rPr lang="en-US" sz="2000" dirty="0" smtClean="0"/>
+              <a:t>: Sets up defaults for </a:t>
+            </a:r>
+            <a:r>
+              <a:rPr lang="en-US" sz="2000" dirty="0"/>
+              <a:t>common </a:t>
+            </a:r>
+            <a:r>
+              <a:rPr lang="en-US" sz="2000" dirty="0" smtClean="0"/>
+              <a:t>collection events</a:t>
             </a:r>
           </a:p>
           <a:p>
@@ -3643,7 +4282,15 @@
             </a:pPr>
             <a:r>
               <a:rPr lang="en-US" sz="2000" dirty="0" smtClean="0"/>
-              <a:t>Suggested action: dynamically hide / show elements </a:t>
+              <a:t>View: </a:t>
+            </a:r>
+            <a:r>
+              <a:rPr lang="en-US" sz="2000" dirty="0" err="1" smtClean="0"/>
+              <a:t>M'nette</a:t>
+            </a:r>
+            <a:r>
+              <a:rPr lang="en-US" sz="2000" dirty="0" smtClean="0"/>
+              <a:t> extends BB View, adding auto features</a:t>
             </a:r>
           </a:p>
           <a:p>
@@ -3651,128 +4298,37 @@
               <a:buFont typeface="Arial"/>
               <a:buChar char="•"/>
             </a:pPr>
-            <a:endParaRPr lang="en-US" sz="2000" dirty="0"/>
-          </a:p>
-          <a:p>
-            <a:pPr algn="l"/>
-            <a:r>
-              <a:rPr lang="en-US" sz="2000" dirty="0" err="1"/>
-              <a:t>var</a:t>
-            </a:r>
-            <a:r>
-              <a:rPr lang="en-US" sz="2000" dirty="0"/>
-              <a:t> Workspace = </a:t>
-            </a:r>
-            <a:r>
-              <a:rPr lang="en-US" sz="2000" dirty="0" err="1"/>
-              <a:t>Backbone.Router.extend</a:t>
-            </a:r>
-            <a:r>
-              <a:rPr lang="en-US" sz="2000" dirty="0"/>
-              <a:t>(</a:t>
-            </a:r>
-            <a:r>
-              <a:rPr lang="en-US" sz="2000" dirty="0" smtClean="0"/>
-              <a:t>{</a:t>
-            </a:r>
-            <a:endParaRPr lang="en-US" sz="2000" dirty="0"/>
-          </a:p>
-          <a:p>
-            <a:pPr algn="l"/>
-            <a:r>
-              <a:rPr lang="en-US" sz="2000" dirty="0"/>
-              <a:t>  routes: {</a:t>
-            </a:r>
-          </a:p>
-          <a:p>
-            <a:pPr algn="l"/>
-            <a:r>
-              <a:rPr lang="en-US" sz="2000" dirty="0"/>
-              <a:t>    "</a:t>
-            </a:r>
-            <a:r>
-              <a:rPr lang="en-US" sz="2000" dirty="0" smtClean="0"/>
-              <a:t>help/:subject(/:</a:t>
-            </a:r>
-            <a:r>
-              <a:rPr lang="en-US" sz="2000" dirty="0" err="1" smtClean="0"/>
-              <a:t>pagenumber</a:t>
-            </a:r>
-            <a:r>
-              <a:rPr lang="en-US" sz="2000" dirty="0" smtClean="0"/>
-              <a:t>)"</a:t>
-            </a:r>
-            <a:r>
-              <a:rPr lang="en-US" sz="2000" dirty="0"/>
-              <a:t>: </a:t>
-            </a:r>
-            <a:r>
-              <a:rPr lang="en-US" sz="2000" dirty="0" smtClean="0"/>
-              <a:t>"help"</a:t>
-            </a:r>
-            <a:r>
-              <a:rPr lang="en-US" sz="2000" dirty="0"/>
-              <a:t>,    // </a:t>
-            </a:r>
-            <a:r>
-              <a:rPr lang="en-US" sz="2000" dirty="0" smtClean="0"/>
-              <a:t>.help( subject, [</a:t>
-            </a:r>
-            <a:r>
-              <a:rPr lang="en-US" sz="2000" dirty="0" err="1" smtClean="0"/>
-              <a:t>pagenumber</a:t>
-            </a:r>
-            <a:r>
-              <a:rPr lang="en-US" sz="2000" dirty="0" smtClean="0"/>
-              <a:t>] )</a:t>
-            </a:r>
-            <a:endParaRPr lang="en-US" sz="2000" dirty="0"/>
-          </a:p>
-          <a:p>
-            <a:pPr algn="l"/>
-            <a:r>
-              <a:rPr lang="en-US" sz="2000" dirty="0"/>
-              <a:t>    </a:t>
-            </a:r>
-            <a:r>
-              <a:rPr lang="en-US" sz="2000" dirty="0" smtClean="0"/>
-              <a:t>"</a:t>
-            </a:r>
-            <a:r>
-              <a:rPr lang="en-US" sz="2000" dirty="0" err="1" smtClean="0"/>
-              <a:t>filesearch</a:t>
-            </a:r>
-            <a:r>
-              <a:rPr lang="en-US" sz="2000" dirty="0" smtClean="0"/>
-              <a:t>/*path"</a:t>
-            </a:r>
-            <a:r>
-              <a:rPr lang="en-US" sz="2000" dirty="0"/>
-              <a:t>: </a:t>
-            </a:r>
-            <a:r>
-              <a:rPr lang="en-US" sz="2000" dirty="0" smtClean="0"/>
-              <a:t>"</a:t>
-            </a:r>
-            <a:r>
-              <a:rPr lang="en-US" sz="2000" dirty="0" err="1" smtClean="0"/>
-              <a:t>fsHelper</a:t>
-            </a:r>
-            <a:r>
-              <a:rPr lang="en-US" sz="2000" dirty="0" smtClean="0"/>
-              <a:t>"</a:t>
-            </a:r>
-            <a:r>
-              <a:rPr lang="en-US" sz="2000" dirty="0"/>
-              <a:t>,  // </a:t>
-            </a:r>
-            <a:r>
-              <a:rPr lang="en-US" sz="2000" dirty="0" err="1" smtClean="0"/>
-              <a:t>fsHelper</a:t>
-            </a:r>
-            <a:r>
-              <a:rPr lang="en-US" sz="2000" dirty="0" smtClean="0"/>
-              <a:t> gets passed 'more/than/1/slash/'</a:t>
+            <a:r>
+              <a:rPr lang="en-US" sz="2000" dirty="0" smtClean="0"/>
+              <a:t>Application: provides 'start' event, hook to Router</a:t>
+            </a:r>
+          </a:p>
+          <a:p>
+            <a:pPr marL="342900" indent="-342900" algn="l">
+              <a:buFont typeface="Arial"/>
+              <a:buChar char="•"/>
+            </a:pPr>
+            <a:r>
+              <a:rPr lang="en-US" sz="2000" dirty="0" smtClean="0"/>
+              <a:t>Behaviors: share code between components</a:t>
+            </a:r>
+          </a:p>
+          <a:p>
+            <a:pPr marL="342900" indent="-342900" algn="l">
+              <a:buFont typeface="Arial"/>
+              <a:buChar char="•"/>
+            </a:pPr>
+            <a:r>
+              <a:rPr lang="en-US" sz="2000" dirty="0" smtClean="0"/>
+              <a:t>Regions: </a:t>
+            </a:r>
+            <a:r>
+              <a:rPr lang="en-US" sz="2000" dirty="0"/>
+              <a:t>s</a:t>
+            </a:r>
+            <a:r>
+              <a:rPr lang="en-US" sz="2000" dirty="0" smtClean="0"/>
+              <a:t>wap out views within same page area</a:t>
             </a:r>
           </a:p>
         </p:txBody>
@@ -3780,7 +4336,7 @@
     </p:spTree>
     <p:extLst>
       <p:ext uri="{BB962C8B-B14F-4D97-AF65-F5344CB8AC3E}">
-        <p14:creationId xmlns:p14="http://schemas.microsoft.com/office/powerpoint/2010/main" val="1752611758"/>
+        <p14:creationId xmlns:p14="http://schemas.microsoft.com/office/powerpoint/2010/main" val="2345485850"/>
       </p:ext>
     </p:extLst>
   </p:cSld>
@@ -3836,7 +4392,7 @@
           <a:p>
             <a:r>
               <a:rPr lang="en-US" dirty="0" smtClean="0"/>
-              <a:t>React</a:t>
+              <a:t>Lab: switch to Marionette</a:t>
             </a:r>
             <a:endParaRPr lang="en-US" dirty="0"/>
           </a:p>
@@ -3870,8 +4426,13 @@
             </a:pPr>
             <a:r>
               <a:rPr lang="en-US" sz="2000" dirty="0" smtClean="0"/>
-              <a:t>React is an API to programmatically interact with DOM</a:t>
-            </a:r>
+              <a:t>Change existing app to use View and </a:t>
+            </a:r>
+            <a:r>
+              <a:rPr lang="en-US" sz="2000" dirty="0" err="1" smtClean="0"/>
+              <a:t>CollectionView</a:t>
+            </a:r>
+            <a:endParaRPr lang="en-US" sz="2000" dirty="0" smtClean="0"/>
           </a:p>
           <a:p>
             <a:pPr marL="342900" indent="-342900" algn="l">
@@ -3880,149 +4441,23 @@
             </a:pPr>
             <a:r>
               <a:rPr lang="en-US" sz="2000" dirty="0" smtClean="0"/>
-              <a:t>React core library is extremely light – only concerned with rendering</a:t>
-            </a:r>
-          </a:p>
-          <a:p>
-            <a:pPr marL="342900" indent="-342900" algn="l">
-              <a:buFont typeface="Arial"/>
-              <a:buChar char="•"/>
-            </a:pPr>
-            <a:r>
-              <a:rPr lang="en-US" sz="2000" dirty="0"/>
-              <a:t>( lots of </a:t>
-            </a:r>
-            <a:r>
-              <a:rPr lang="en-US" sz="2000" dirty="0" err="1"/>
-              <a:t>addons</a:t>
-            </a:r>
-            <a:r>
-              <a:rPr lang="en-US" sz="2000" dirty="0"/>
-              <a:t> available </a:t>
-            </a:r>
-            <a:r>
-              <a:rPr lang="en-US" sz="2000" dirty="0" smtClean="0"/>
-              <a:t>)</a:t>
-            </a:r>
-          </a:p>
-          <a:p>
-            <a:pPr marL="342900" indent="-342900" algn="l">
-              <a:buFont typeface="Arial"/>
-              <a:buChar char="•"/>
-            </a:pPr>
-            <a:r>
-              <a:rPr lang="en-US" sz="2000" dirty="0" smtClean="0"/>
-              <a:t>Not an MVC: event-driven, one way data flow</a:t>
-            </a:r>
-          </a:p>
-          <a:p>
-            <a:pPr marL="342900" indent="-342900" algn="l">
-              <a:buFont typeface="Arial"/>
-              <a:buChar char="•"/>
-            </a:pPr>
-            <a:r>
-              <a:rPr lang="en-US" sz="2000" dirty="0" smtClean="0"/>
-              <a:t>Component paradigm: build small chunks &amp; reuse</a:t>
-            </a:r>
-          </a:p>
-          <a:p>
-            <a:pPr marL="342900" indent="-342900" algn="l">
-              <a:buFont typeface="Arial"/>
-              <a:buChar char="•"/>
-            </a:pPr>
-            <a:endParaRPr lang="en-US" sz="2000" dirty="0"/>
-          </a:p>
-          <a:p>
-            <a:pPr algn="l"/>
-            <a:r>
-              <a:rPr lang="en-US" sz="2000" dirty="0" err="1"/>
-              <a:t>React.render</a:t>
-            </a:r>
-            <a:r>
-              <a:rPr lang="en-US" sz="2000" dirty="0"/>
-              <a:t>(</a:t>
-            </a:r>
-          </a:p>
-          <a:p>
-            <a:pPr algn="l"/>
-            <a:r>
-              <a:rPr lang="en-US" sz="2000" dirty="0"/>
-              <a:t>  </a:t>
-            </a:r>
-            <a:r>
-              <a:rPr lang="en-US" sz="2000" dirty="0" err="1"/>
-              <a:t>React.createElement</a:t>
-            </a:r>
-            <a:r>
-              <a:rPr lang="en-US" sz="2000" dirty="0" smtClean="0"/>
-              <a:t>( '</a:t>
-            </a:r>
-            <a:r>
-              <a:rPr lang="en-US" sz="2000" dirty="0"/>
-              <a:t>h1', </a:t>
-            </a:r>
-            <a:r>
-              <a:rPr lang="en-US" sz="2000" dirty="0" smtClean="0"/>
-              <a:t>{ '</a:t>
+              <a:t>Structure app under Application and </a:t>
             </a:r>
             <a:r>
               <a:rPr lang="en-US" sz="2000" dirty="0" err="1" smtClean="0"/>
-              <a:t>initValues</a:t>
-            </a:r>
-            <a:r>
-              <a:rPr lang="en-US" sz="2000" dirty="0" smtClean="0"/>
-              <a:t>': 'get passed as props' }, </a:t>
-            </a:r>
-            <a:r>
-              <a:rPr lang="en-US" sz="2000" dirty="0"/>
-              <a:t>'Hello!</a:t>
-            </a:r>
-            <a:r>
-              <a:rPr lang="en-US" sz="2000" dirty="0" smtClean="0"/>
-              <a:t>' )</a:t>
-            </a:r>
-            <a:r>
-              <a:rPr lang="en-US" sz="2000" dirty="0"/>
-              <a:t>,</a:t>
-            </a:r>
-          </a:p>
-          <a:p>
-            <a:pPr algn="l"/>
-            <a:r>
-              <a:rPr lang="en-US" sz="2000" dirty="0"/>
-              <a:t>  </a:t>
-            </a:r>
-            <a:r>
-              <a:rPr lang="en-US" sz="2000" dirty="0" err="1"/>
-              <a:t>document.getElementById</a:t>
-            </a:r>
-            <a:r>
-              <a:rPr lang="en-US" sz="2000" dirty="0"/>
-              <a:t>('</a:t>
-            </a:r>
-            <a:r>
-              <a:rPr lang="en-US" sz="2000" dirty="0" err="1"/>
-              <a:t>myDiv</a:t>
-            </a:r>
-            <a:r>
-              <a:rPr lang="en-US" sz="2000" dirty="0"/>
-              <a:t>')</a:t>
-            </a:r>
-          </a:p>
-          <a:p>
-            <a:pPr algn="l"/>
-            <a:r>
-              <a:rPr lang="en-US" sz="2000" dirty="0"/>
-              <a:t>);</a:t>
-            </a:r>
-            <a:endParaRPr lang="en-US" sz="2000" dirty="0" smtClean="0"/>
+              <a:t>config</a:t>
+            </a:r>
+            <a:r>
+              <a:rPr lang="en-US" sz="2000" dirty="0" smtClean="0"/>
+              <a:t> 'start' event</a:t>
+            </a:r>
           </a:p>
         </p:txBody>
       </p:sp>
     </p:spTree>
     <p:extLst>
       <p:ext uri="{BB962C8B-B14F-4D97-AF65-F5344CB8AC3E}">
-        <p14:creationId xmlns:p14="http://schemas.microsoft.com/office/powerpoint/2010/main" val="2980629400"/>
+        <p14:creationId xmlns:p14="http://schemas.microsoft.com/office/powerpoint/2010/main" val="1409521027"/>
       </p:ext>
     </p:extLst>
   </p:cSld>
@@ -4077,10 +4512,9 @@
           <a:lstStyle/>
           <a:p>
             <a:r>
-              <a:rPr lang="en-US" dirty="0" smtClean="0"/>
-              <a:t>React</a:t>
-            </a:r>
-            <a:endParaRPr lang="en-US" dirty="0"/>
+              <a:rPr lang="en-US" dirty="0"/>
+              <a:t>Marionette Routing</a:t>
+            </a:r>
           </a:p>
         </p:txBody>
       </p:sp>
@@ -4096,8 +4530,8 @@
         </p:nvSpPr>
         <p:spPr>
           <a:xfrm>
-            <a:off x="3965222" y="1630710"/>
-            <a:ext cx="4861304" cy="4609893"/>
+            <a:off x="454651" y="1630710"/>
+            <a:ext cx="8371875" cy="4609893"/>
           </a:xfrm>
         </p:spPr>
         <p:txBody>
@@ -4112,8 +4546,13 @@
             </a:pPr>
             <a:r>
               <a:rPr lang="en-US" sz="2000" dirty="0" smtClean="0"/>
-              <a:t>Component paradigm</a:t>
-            </a:r>
+              <a:t>Extends Backbone routing via </a:t>
+            </a:r>
+            <a:r>
+              <a:rPr lang="en-US" sz="2000" dirty="0" err="1" smtClean="0"/>
+              <a:t>AppRouter</a:t>
+            </a:r>
+            <a:endParaRPr lang="en-US" sz="2000" dirty="0" smtClean="0"/>
           </a:p>
           <a:p>
             <a:pPr marL="342900" indent="-342900" algn="l">
@@ -4121,13 +4560,42 @@
               <a:buChar char="•"/>
             </a:pPr>
             <a:r>
-              <a:rPr lang="en-US" sz="2000" dirty="0" err="1"/>
-              <a:t>FilterableProductTable</a:t>
-            </a:r>
-            <a:r>
-              <a:rPr lang="en-US" sz="2000" dirty="0"/>
-              <a:t> (orange): contains the entirety of the example</a:t>
-            </a:r>
+              <a:rPr lang="en-US" sz="2000" dirty="0"/>
+              <a:t>Marionette </a:t>
+            </a:r>
+            <a:r>
+              <a:rPr lang="en-US" sz="2000" dirty="0" smtClean="0"/>
+              <a:t>introduces regions</a:t>
+            </a:r>
+          </a:p>
+          <a:p>
+            <a:pPr marL="800100" lvl="1" indent="-342900" algn="l">
+              <a:buFont typeface="Arial"/>
+              <a:buChar char="•"/>
+            </a:pPr>
+            <a:r>
+              <a:rPr lang="en-US" sz="1600" dirty="0" smtClean="0"/>
+              <a:t>Let </a:t>
+            </a:r>
+            <a:r>
+              <a:rPr lang="en-US" sz="1600" dirty="0" err="1" smtClean="0"/>
+              <a:t>AppRouter</a:t>
+            </a:r>
+            <a:r>
+              <a:rPr lang="en-US" sz="1600" dirty="0" smtClean="0"/>
+              <a:t> handle DOM within region</a:t>
+            </a:r>
+          </a:p>
+          <a:p>
+            <a:pPr marL="800100" lvl="1" indent="-342900" algn="l">
+              <a:buFont typeface="Arial"/>
+              <a:buChar char="•"/>
+            </a:pPr>
+            <a:r>
+              <a:rPr lang="en-US" sz="1600" dirty="0" smtClean="0"/>
+              <a:t>Switch out what's displayed with one call</a:t>
+            </a:r>
+            <a:endParaRPr lang="en-US" sz="1600" dirty="0" smtClean="0"/>
           </a:p>
           <a:p>
             <a:pPr marL="342900" indent="-342900" algn="l">
@@ -4135,87 +4603,92 @@
               <a:buChar char="•"/>
             </a:pPr>
             <a:r>
-              <a:rPr lang="en-US" sz="2000" dirty="0" err="1"/>
-              <a:t>SearchBar</a:t>
-            </a:r>
-            <a:r>
-              <a:rPr lang="en-US" sz="2000" dirty="0"/>
-              <a:t> (blue): receives all user input</a:t>
-            </a:r>
-          </a:p>
-          <a:p>
-            <a:pPr marL="342900" indent="-342900" algn="l">
-              <a:buFont typeface="Arial"/>
-              <a:buChar char="•"/>
-            </a:pPr>
-            <a:r>
-              <a:rPr lang="en-US" sz="2000" dirty="0" err="1"/>
-              <a:t>ProductTable</a:t>
-            </a:r>
-            <a:r>
-              <a:rPr lang="en-US" sz="2000" dirty="0"/>
-              <a:t> (green): displays and filters the data collection based on user input</a:t>
-            </a:r>
-          </a:p>
-          <a:p>
-            <a:pPr marL="342900" indent="-342900" algn="l">
-              <a:buFont typeface="Arial"/>
-              <a:buChar char="•"/>
-            </a:pPr>
-            <a:r>
-              <a:rPr lang="en-US" sz="2000" dirty="0" err="1"/>
-              <a:t>ProductCategoryRow</a:t>
-            </a:r>
-            <a:r>
-              <a:rPr lang="en-US" sz="2000" dirty="0"/>
-              <a:t> (turquoise): displays a heading for each category</a:t>
-            </a:r>
-          </a:p>
-          <a:p>
-            <a:pPr marL="342900" indent="-342900" algn="l">
-              <a:buFont typeface="Arial"/>
-              <a:buChar char="•"/>
-            </a:pPr>
-            <a:r>
-              <a:rPr lang="en-US" sz="2000" dirty="0" err="1"/>
-              <a:t>ProductRow</a:t>
-            </a:r>
-            <a:r>
-              <a:rPr lang="en-US" sz="2000" dirty="0"/>
-              <a:t> (red): displays a row for each product</a:t>
+              <a:rPr lang="en-US" sz="2000" dirty="0" err="1" smtClean="0"/>
+              <a:t>AppRouter</a:t>
+            </a:r>
+            <a:r>
+              <a:rPr lang="en-US" sz="2000" dirty="0" smtClean="0"/>
+              <a:t> supports </a:t>
+            </a:r>
+            <a:r>
+              <a:rPr lang="en-US" sz="2000" dirty="0" smtClean="0"/>
+              <a:t>controller</a:t>
             </a:r>
             <a:endParaRPr lang="en-US" sz="2000" dirty="0" smtClean="0"/>
           </a:p>
-        </p:txBody>
-      </p:sp>
-      <p:pic>
-        <p:nvPicPr>
-          <p:cNvPr id="4" name="Picture 3"/>
-          <p:cNvPicPr>
-            <a:picLocks noChangeAspect="1"/>
-          </p:cNvPicPr>
-          <p:nvPr/>
-        </p:nvPicPr>
-        <p:blipFill>
-          <a:blip r:embed="rId2"/>
-          <a:stretch>
-            <a:fillRect/>
-          </a:stretch>
-        </p:blipFill>
-        <p:spPr>
-          <a:xfrm>
-            <a:off x="293511" y="1876778"/>
-            <a:ext cx="3492500" cy="4051300"/>
-          </a:xfrm>
-          <a:prstGeom prst="rect">
-            <a:avLst/>
-          </a:prstGeom>
-        </p:spPr>
-      </p:pic>
+          <a:p>
+            <a:pPr marL="800100" lvl="1" indent="-342900" algn="l">
+              <a:buFont typeface="Arial"/>
+              <a:buChar char="•"/>
+            </a:pPr>
+            <a:r>
+              <a:rPr lang="en-US" sz="1600" dirty="0" smtClean="0"/>
+              <a:t>Declare controller property in </a:t>
+            </a:r>
+            <a:r>
+              <a:rPr lang="en-US" sz="1600" dirty="0" err="1" smtClean="0"/>
+              <a:t>AppRouter.extend</a:t>
+            </a:r>
+            <a:r>
+              <a:rPr lang="en-US" sz="1600" dirty="0" smtClean="0"/>
+              <a:t> options</a:t>
+            </a:r>
+          </a:p>
+          <a:p>
+            <a:pPr marL="800100" lvl="1" indent="-342900" algn="l">
+              <a:buFont typeface="Arial"/>
+              <a:buChar char="•"/>
+            </a:pPr>
+            <a:r>
+              <a:rPr lang="en-US" sz="1600" dirty="0" smtClean="0"/>
+              <a:t>Move display logic out of router</a:t>
+            </a:r>
+          </a:p>
+          <a:p>
+            <a:pPr marL="800100" lvl="1" indent="-342900" algn="l">
+              <a:buFont typeface="Arial"/>
+              <a:buChar char="•"/>
+            </a:pPr>
+            <a:r>
+              <a:rPr lang="en-US" sz="1600" dirty="0" smtClean="0"/>
+              <a:t>Controller can be any object</a:t>
+            </a:r>
+          </a:p>
+          <a:p>
+            <a:pPr marL="800100" lvl="1" indent="-342900" algn="l">
+              <a:buFont typeface="Arial"/>
+              <a:buChar char="•"/>
+            </a:pPr>
+            <a:r>
+              <a:rPr lang="en-US" sz="1600" dirty="0" smtClean="0"/>
+              <a:t>Call controller methods in </a:t>
+            </a:r>
+            <a:r>
+              <a:rPr lang="en-US" sz="1600" dirty="0" err="1"/>
+              <a:t>appRoutes</a:t>
+            </a:r>
+            <a:r>
+              <a:rPr lang="en-US" sz="1600" dirty="0"/>
+              <a:t> option </a:t>
+            </a:r>
+            <a:r>
+              <a:rPr lang="en-US" sz="1600" dirty="0" smtClean="0"/>
+              <a:t>as if native</a:t>
+            </a:r>
+          </a:p>
+          <a:p>
+            <a:pPr marL="800100" lvl="1" indent="-342900" algn="l">
+              <a:buFont typeface="Arial"/>
+              <a:buChar char="•"/>
+            </a:pPr>
+            <a:endParaRPr lang="en-US" sz="1600" dirty="0" smtClean="0"/>
+          </a:p>
+        </p:txBody>
+      </p:sp>
     </p:spTree>
     <p:extLst>
       <p:ext uri="{BB962C8B-B14F-4D97-AF65-F5344CB8AC3E}">
-        <p14:creationId xmlns:p14="http://schemas.microsoft.com/office/powerpoint/2010/main" val="203739375"/>
+        <p14:creationId xmlns:p14="http://schemas.microsoft.com/office/powerpoint/2010/main" val="2791365468"/>
       </p:ext>
     </p:extLst>
   </p:cSld>
@@ -4271,7 +4744,11 @@
           <a:p>
             <a:r>
               <a:rPr lang="en-US" dirty="0" smtClean="0"/>
-              <a:t>React</a:t>
+              <a:t>Lab: </a:t>
+            </a:r>
+            <a:r>
+              <a:rPr lang="en-US" dirty="0"/>
+              <a:t>Marionette Routing</a:t>
             </a:r>
             <a:endParaRPr lang="en-US" dirty="0"/>
           </a:p>
@@ -4305,7 +4782,7 @@
             </a:pPr>
             <a:r>
               <a:rPr lang="en-US" sz="2000" dirty="0" smtClean="0"/>
-              <a:t>JSX</a:t>
+              <a:t>Hook up routes to an action</a:t>
             </a:r>
           </a:p>
           <a:p>
@@ -4314,52 +4791,8 @@
               <a:buChar char="•"/>
             </a:pPr>
             <a:r>
-              <a:rPr lang="en-US" sz="2000" dirty="0" err="1"/>
-              <a:t>Javascript</a:t>
-            </a:r>
-            <a:r>
-              <a:rPr lang="en-US" sz="2000" dirty="0"/>
-              <a:t> XML syntax </a:t>
-            </a:r>
-            <a:r>
-              <a:rPr lang="en-US" sz="2000" dirty="0" smtClean="0"/>
-              <a:t>transform</a:t>
-            </a:r>
-          </a:p>
-          <a:p>
-            <a:pPr marL="342900" indent="-342900" algn="l">
-              <a:buFont typeface="Arial"/>
-              <a:buChar char="•"/>
-            </a:pPr>
-            <a:r>
-              <a:rPr lang="en-US" sz="2000" dirty="0" smtClean="0"/>
-              <a:t>Access API via XML (</a:t>
-            </a:r>
-            <a:r>
-              <a:rPr lang="en-US" sz="2000" dirty="0" err="1" smtClean="0"/>
-              <a:t>pseudoHTML</a:t>
-            </a:r>
-            <a:r>
-              <a:rPr lang="en-US" sz="2000" dirty="0" smtClean="0"/>
-              <a:t>) instead of JS</a:t>
-            </a:r>
-          </a:p>
-          <a:p>
-            <a:pPr marL="342900" indent="-342900" algn="l">
-              <a:buFont typeface="Arial"/>
-              <a:buChar char="•"/>
-            </a:pPr>
-            <a:r>
-              <a:rPr lang="en-US" sz="2000" dirty="0" smtClean="0"/>
-              <a:t>Requires </a:t>
-            </a:r>
-            <a:r>
-              <a:rPr lang="en-US" sz="2000" dirty="0" err="1" smtClean="0"/>
-              <a:t>transpiliation</a:t>
-            </a:r>
-            <a:r>
-              <a:rPr lang="en-US" sz="2000" dirty="0" smtClean="0"/>
-              <a:t> during build step</a:t>
+              <a:rPr lang="en-US" sz="2000" dirty="0" smtClean="0"/>
+              <a:t>Suggested action: dynamically hide / show elements </a:t>
             </a:r>
           </a:p>
           <a:p>
@@ -4377,49 +4810,70 @@
             </a:r>
             <a:r>
               <a:rPr lang="en-US" sz="2000" dirty="0"/>
-              <a:t> </a:t>
+              <a:t> Workspace = </a:t>
             </a:r>
             <a:r>
               <a:rPr lang="en-US" sz="2000" dirty="0" err="1"/>
-              <a:t>MyComponent</a:t>
-            </a:r>
-            <a:r>
-              <a:rPr lang="en-US" sz="2000" dirty="0"/>
-              <a:t> = </a:t>
-            </a:r>
-            <a:r>
-              <a:rPr lang="en-US" sz="2000" dirty="0" err="1"/>
-              <a:t>React.createClass</a:t>
-            </a:r>
-            <a:r>
-              <a:rPr lang="en-US" sz="2000" dirty="0"/>
-              <a:t>({</a:t>
-            </a:r>
+              <a:t>Backbone.Router.extend</a:t>
+            </a:r>
+            <a:r>
+              <a:rPr lang="en-US" sz="2000" dirty="0"/>
+              <a:t>(</a:t>
+            </a:r>
+            <a:r>
+              <a:rPr lang="en-US" sz="2000" dirty="0" smtClean="0"/>
+              <a:t>{</a:t>
+            </a:r>
+            <a:endParaRPr lang="en-US" sz="2000" dirty="0"/>
           </a:p>
           <a:p>
             <a:pPr algn="l"/>
             <a:r>
               <a:rPr lang="en-US" sz="2000" dirty="0"/>
-              <a:t>    render: function(){</a:t>
+              <a:t>  routes: {</a:t>
             </a:r>
           </a:p>
           <a:p>
             <a:pPr algn="l"/>
             <a:r>
               <a:rPr lang="en-US" sz="2000" dirty="0"/>
-              <a:t>        return </a:t>
-            </a:r>
-            <a:r>
-              <a:rPr lang="en-US" sz="2000" dirty="0" smtClean="0"/>
-              <a:t>&lt;</a:t>
-            </a:r>
-            <a:r>
-              <a:rPr lang="en-US" sz="2000" dirty="0"/>
-              <a:t>h1&gt;Hello, world!&lt;/h1</a:t>
-            </a:r>
-            <a:r>
-              <a:rPr lang="en-US" sz="2000" dirty="0" smtClean="0"/>
-              <a:t>&gt;;</a:t>
+              <a:t>    "</a:t>
+            </a:r>
+            <a:r>
+              <a:rPr lang="en-US" sz="2000" dirty="0" smtClean="0"/>
+              <a:t>help/:subject(/:</a:t>
+            </a:r>
+            <a:r>
+              <a:rPr lang="en-US" sz="2000" dirty="0" err="1" smtClean="0"/>
+              <a:t>pagenumber</a:t>
+            </a:r>
+            <a:r>
+              <a:rPr lang="en-US" sz="2000" dirty="0" smtClean="0"/>
+              <a:t>)"</a:t>
+            </a:r>
+            <a:r>
+              <a:rPr lang="en-US" sz="2000" dirty="0"/>
+              <a:t>: </a:t>
+            </a:r>
+            <a:r>
+              <a:rPr lang="en-US" sz="2000" dirty="0" smtClean="0"/>
+              <a:t>"help"</a:t>
+            </a:r>
+            <a:r>
+              <a:rPr lang="en-US" sz="2000" dirty="0"/>
+              <a:t>,    // </a:t>
+            </a:r>
+            <a:r>
+              <a:rPr lang="en-US" sz="2000" dirty="0" smtClean="0"/>
+              <a:t>.help( subject, [</a:t>
+            </a:r>
+            <a:r>
+              <a:rPr lang="en-US" sz="2000" dirty="0" err="1" smtClean="0"/>
+              <a:t>pagenumber</a:t>
+            </a:r>
+            <a:r>
+              <a:rPr lang="en-US" sz="2000" dirty="0" smtClean="0"/>
+              <a:t>] )</a:t>
             </a:r>
             <a:endParaRPr lang="en-US" sz="2000" dirty="0"/>
           </a:p>
@@ -4427,74 +4881,55 @@
             <a:pPr algn="l"/>
             <a:r>
               <a:rPr lang="en-US" sz="2000" dirty="0"/>
-              <a:t>    }</a:t>
-            </a:r>
-          </a:p>
-          <a:p>
-            <a:pPr algn="l"/>
-            <a:r>
-              <a:rPr lang="en-US" sz="2000" dirty="0"/>
-              <a:t>})</a:t>
-            </a:r>
-            <a:r>
-              <a:rPr lang="en-US" sz="2000" dirty="0" smtClean="0"/>
-              <a:t>;</a:t>
-            </a:r>
-          </a:p>
-          <a:p>
-            <a:pPr algn="l"/>
-            <a:r>
-              <a:rPr lang="en-US" sz="2000" dirty="0" err="1"/>
-              <a:t>ReactDOM.render</a:t>
-            </a:r>
-            <a:r>
-              <a:rPr lang="en-US" sz="2000" dirty="0" smtClean="0"/>
-              <a:t>( &lt;</a:t>
-            </a:r>
-            <a:r>
-              <a:rPr lang="en-US" sz="2000" dirty="0" err="1"/>
-              <a:t>MyComponent</a:t>
-            </a:r>
-            <a:r>
-              <a:rPr lang="en-US" sz="2000" dirty="0"/>
-              <a:t>/&gt;</a:t>
-            </a:r>
-            <a:r>
-              <a:rPr lang="en-US" sz="2000" dirty="0" smtClean="0"/>
-              <a:t>, </a:t>
+              <a:t>    </a:t>
+            </a:r>
+            <a:r>
+              <a:rPr lang="en-US" sz="2000" dirty="0" smtClean="0"/>
+              <a:t>"</a:t>
             </a:r>
             <a:r>
               <a:rPr lang="en-US" sz="2000" dirty="0" err="1" smtClean="0"/>
-              <a:t>document.getElementById</a:t>
-            </a:r>
-            <a:r>
-              <a:rPr lang="en-US" sz="2000" dirty="0"/>
-              <a:t>('</a:t>
-            </a:r>
-            <a:r>
-              <a:rPr lang="en-US" sz="2000" dirty="0" err="1"/>
-              <a:t>myDiv</a:t>
-            </a:r>
-            <a:r>
-              <a:rPr lang="en-US" sz="2000" dirty="0"/>
-              <a:t>'</a:t>
-            </a:r>
-            <a:r>
-              <a:rPr lang="en-US" sz="2000" dirty="0" smtClean="0"/>
-              <a:t>) )</a:t>
-            </a:r>
-            <a:r>
-              <a:rPr lang="en-US" sz="2000" dirty="0"/>
-              <a:t>;</a:t>
-            </a:r>
-            <a:endParaRPr lang="en-US" sz="2000" dirty="0" smtClean="0"/>
+              <a:t>filesearch</a:t>
+            </a:r>
+            <a:r>
+              <a:rPr lang="en-US" sz="2000" dirty="0" smtClean="0"/>
+              <a:t>/*path"</a:t>
+            </a:r>
+            <a:r>
+              <a:rPr lang="en-US" sz="2000" dirty="0"/>
+              <a:t>: </a:t>
+            </a:r>
+            <a:r>
+              <a:rPr lang="en-US" sz="2000" dirty="0" smtClean="0"/>
+              <a:t>"</a:t>
+            </a:r>
+            <a:r>
+              <a:rPr lang="en-US" sz="2000" dirty="0" err="1" smtClean="0"/>
+              <a:t>fsHelper</a:t>
+            </a:r>
+            <a:r>
+              <a:rPr lang="en-US" sz="2000" dirty="0" smtClean="0"/>
+              <a:t>"</a:t>
+            </a:r>
+            <a:r>
+              <a:rPr lang="en-US" sz="2000" dirty="0"/>
+              <a:t>,  // </a:t>
+            </a:r>
+            <a:r>
+              <a:rPr lang="en-US" sz="2000" dirty="0" err="1" smtClean="0"/>
+              <a:t>fsHelper</a:t>
+            </a:r>
+            <a:r>
+              <a:rPr lang="en-US" sz="2000" dirty="0" smtClean="0"/>
+              <a:t> gets passed 'more/than/1/slash/'</a:t>
+            </a:r>
           </a:p>
         </p:txBody>
       </p:sp>
     </p:spTree>
     <p:extLst>
       <p:ext uri="{BB962C8B-B14F-4D97-AF65-F5344CB8AC3E}">
-        <p14:creationId xmlns:p14="http://schemas.microsoft.com/office/powerpoint/2010/main" val="3833483806"/>
+        <p14:creationId xmlns:p14="http://schemas.microsoft.com/office/powerpoint/2010/main" val="1752611758"/>
       </p:ext>
     </p:extLst>
   </p:cSld>
@@ -4574,7 +5009,7 @@
         </p:spPr>
         <p:txBody>
           <a:bodyPr>
-            <a:normAutofit fontScale="85000" lnSpcReduction="10000"/>
+            <a:normAutofit/>
           </a:bodyPr>
           <a:lstStyle/>
           <a:p>
@@ -4584,7 +5019,7 @@
             </a:pPr>
             <a:r>
               <a:rPr lang="en-US" sz="2000" dirty="0" smtClean="0"/>
-              <a:t>Data model: state and props</a:t>
+              <a:t>React is an API to programmatically interact with DOM</a:t>
             </a:r>
           </a:p>
           <a:p>
@@ -4594,15 +5029,7 @@
             </a:pPr>
             <a:r>
               <a:rPr lang="en-US" sz="2000" dirty="0" smtClean="0"/>
-              <a:t>State represents values within the </a:t>
-            </a:r>
-            <a:r>
-              <a:rPr lang="en-US" sz="2000" dirty="0"/>
-              <a:t>current </a:t>
-            </a:r>
-            <a:r>
-              <a:rPr lang="en-US" sz="2000" dirty="0" smtClean="0"/>
-              <a:t>component</a:t>
+              <a:t>React core library is extremely light – only concerned with rendering</a:t>
             </a:r>
           </a:p>
           <a:p>
@@ -4611,210 +5038,128 @@
               <a:buChar char="•"/>
             </a:pPr>
             <a:r>
-              <a:rPr lang="en-US" sz="2000" dirty="0" smtClean="0"/>
-              <a:t>Props represents values passed in from parent component</a:t>
-            </a:r>
+              <a:rPr lang="en-US" sz="2000" dirty="0"/>
+              <a:t>( lots of </a:t>
+            </a:r>
+            <a:r>
+              <a:rPr lang="en-US" sz="2000" dirty="0" err="1"/>
+              <a:t>addons</a:t>
+            </a:r>
+            <a:r>
+              <a:rPr lang="en-US" sz="2000" dirty="0"/>
+              <a:t> available </a:t>
+            </a:r>
+            <a:r>
+              <a:rPr lang="en-US" sz="2000" dirty="0" smtClean="0"/>
+              <a:t>)</a:t>
+            </a:r>
+          </a:p>
+          <a:p>
+            <a:pPr marL="342900" indent="-342900" algn="l">
+              <a:buFont typeface="Arial"/>
+              <a:buChar char="•"/>
+            </a:pPr>
+            <a:r>
+              <a:rPr lang="en-US" sz="2000" dirty="0" smtClean="0"/>
+              <a:t>Not an MVC: event-driven, one way data flow</a:t>
+            </a:r>
+          </a:p>
+          <a:p>
+            <a:pPr marL="342900" indent="-342900" algn="l">
+              <a:buFont typeface="Arial"/>
+              <a:buChar char="•"/>
+            </a:pPr>
+            <a:r>
+              <a:rPr lang="en-US" sz="2000" dirty="0" smtClean="0"/>
+              <a:t>Component paradigm: build small chunks &amp; reuse</a:t>
+            </a:r>
+          </a:p>
+          <a:p>
+            <a:pPr marL="342900" indent="-342900" algn="l">
+              <a:buFont typeface="Arial"/>
+              <a:buChar char="•"/>
+            </a:pPr>
+            <a:endParaRPr lang="en-US" sz="2000" dirty="0"/>
           </a:p>
           <a:p>
             <a:pPr algn="l"/>
-            <a:endParaRPr lang="en-US" sz="2000" dirty="0"/>
+            <a:r>
+              <a:rPr lang="en-US" sz="2000" dirty="0" err="1"/>
+              <a:t>React.render</a:t>
+            </a:r>
+            <a:r>
+              <a:rPr lang="en-US" sz="2000" dirty="0"/>
+              <a:t>(</a:t>
+            </a:r>
           </a:p>
           <a:p>
             <a:pPr algn="l"/>
             <a:r>
+              <a:rPr lang="en-US" sz="2000" dirty="0"/>
+              <a:t>  </a:t>
+            </a:r>
+            <a:r>
               <a:rPr lang="en-US" sz="2000" dirty="0" err="1"/>
-              <a:t>var</a:t>
-            </a:r>
-            <a:r>
-              <a:rPr lang="en-US" sz="2000" dirty="0"/>
-              <a:t> </a:t>
+              <a:t>React.createElement</a:t>
+            </a:r>
+            <a:r>
+              <a:rPr lang="en-US" sz="2000" dirty="0" smtClean="0"/>
+              <a:t>( '</a:t>
+            </a:r>
+            <a:r>
+              <a:rPr lang="en-US" sz="2000" dirty="0"/>
+              <a:t>h1', </a:t>
+            </a:r>
+            <a:r>
+              <a:rPr lang="en-US" sz="2000" dirty="0" smtClean="0"/>
+              <a:t>{ '</a:t>
             </a:r>
             <a:r>
               <a:rPr lang="en-US" sz="2000" dirty="0" err="1" smtClean="0"/>
-              <a:t>RealTimeInput</a:t>
-            </a:r>
-            <a:r>
-              <a:rPr lang="en-US" sz="2000" dirty="0" smtClean="0"/>
-              <a:t> = </a:t>
+              <a:t>initValues</a:t>
+            </a:r>
+            <a:r>
+              <a:rPr lang="en-US" sz="2000" dirty="0" smtClean="0"/>
+              <a:t>': 'get passed as props' }, </a:t>
+            </a:r>
+            <a:r>
+              <a:rPr lang="en-US" sz="2000" dirty="0"/>
+              <a:t>'Hello!</a:t>
+            </a:r>
+            <a:r>
+              <a:rPr lang="en-US" sz="2000" dirty="0" smtClean="0"/>
+              <a:t>' )</a:t>
+            </a:r>
+            <a:r>
+              <a:rPr lang="en-US" sz="2000" dirty="0"/>
+              <a:t>,</a:t>
+            </a:r>
+          </a:p>
+          <a:p>
+            <a:pPr algn="l"/>
+            <a:r>
+              <a:rPr lang="en-US" sz="2000" dirty="0"/>
+              <a:t>  </a:t>
             </a:r>
             <a:r>
               <a:rPr lang="en-US" sz="2000" dirty="0" err="1"/>
-              <a:t>React.createClass</a:t>
-            </a:r>
-            <a:r>
-              <a:rPr lang="en-US" sz="2000" dirty="0"/>
-              <a:t>({</a:t>
+              <a:t>document.getElementById</a:t>
+            </a:r>
+            <a:r>
+              <a:rPr lang="en-US" sz="2000" dirty="0"/>
+              <a:t>('</a:t>
+            </a:r>
+            <a:r>
+              <a:rPr lang="en-US" sz="2000" dirty="0" err="1"/>
+              <a:t>myDiv</a:t>
+            </a:r>
+            <a:r>
+              <a:rPr lang="en-US" sz="2000" dirty="0"/>
+              <a:t>')</a:t>
             </a:r>
           </a:p>
           <a:p>
             <a:pPr algn="l"/>
-            <a:r>
-              <a:rPr lang="en-US" sz="2000" dirty="0" smtClean="0"/>
-              <a:t>  render</a:t>
-            </a:r>
-            <a:r>
-              <a:rPr lang="en-US" sz="2000" dirty="0"/>
-              <a:t>: function() {</a:t>
-            </a:r>
-          </a:p>
-          <a:p>
-            <a:pPr algn="l"/>
-            <a:r>
-              <a:rPr lang="en-US" sz="2000" dirty="0"/>
-              <a:t>    </a:t>
-            </a:r>
-            <a:r>
-              <a:rPr lang="en-US" sz="2000" dirty="0" err="1"/>
-              <a:t>var</a:t>
-            </a:r>
-            <a:r>
-              <a:rPr lang="en-US" sz="2000" dirty="0"/>
-              <a:t> message = </a:t>
-            </a:r>
-            <a:r>
-              <a:rPr lang="en-US" sz="2000" dirty="0" err="1"/>
-              <a:t>this.state.message</a:t>
-            </a:r>
-            <a:r>
-              <a:rPr lang="en-US" sz="2000" dirty="0"/>
-              <a:t>;</a:t>
-            </a:r>
-          </a:p>
-          <a:p>
-            <a:pPr algn="l"/>
-            <a:r>
-              <a:rPr lang="en-US" sz="2000" dirty="0"/>
-              <a:t>    return &lt;input type="text" value={message} </a:t>
-            </a:r>
-            <a:r>
-              <a:rPr lang="en-US" sz="2000" dirty="0" err="1"/>
-              <a:t>onChange</a:t>
-            </a:r>
-            <a:r>
-              <a:rPr lang="en-US" sz="2000" dirty="0"/>
-              <a:t>={</a:t>
-            </a:r>
-            <a:r>
-              <a:rPr lang="en-US" sz="2000" dirty="0" err="1"/>
-              <a:t>this.handleChange</a:t>
-            </a:r>
-            <a:r>
-              <a:rPr lang="en-US" sz="2000" dirty="0"/>
-              <a:t>} /&gt;;</a:t>
-            </a:r>
-          </a:p>
-          <a:p>
-            <a:pPr algn="l"/>
-            <a:r>
-              <a:rPr lang="en-US" sz="2000" dirty="0"/>
-              <a:t>  </a:t>
-            </a:r>
-            <a:r>
-              <a:rPr lang="en-US" sz="2000" dirty="0" smtClean="0"/>
-              <a:t>},</a:t>
-            </a:r>
-          </a:p>
-          <a:p>
-            <a:pPr algn="l"/>
-            <a:r>
-              <a:rPr lang="en-US" sz="2000" dirty="0"/>
-              <a:t> </a:t>
-            </a:r>
-            <a:r>
-              <a:rPr lang="en-US" sz="2000" dirty="0" err="1"/>
-              <a:t>handleChange</a:t>
-            </a:r>
-            <a:r>
-              <a:rPr lang="en-US" sz="2000" dirty="0"/>
-              <a:t>: function(event) {</a:t>
-            </a:r>
-          </a:p>
-          <a:p>
-            <a:pPr algn="l"/>
-            <a:r>
-              <a:rPr lang="en-US" sz="2000" dirty="0"/>
-              <a:t>    </a:t>
-            </a:r>
-            <a:r>
-              <a:rPr lang="en-US" sz="2000" dirty="0" err="1"/>
-              <a:t>this.setState</a:t>
-            </a:r>
-            <a:r>
-              <a:rPr lang="en-US" sz="2000" dirty="0"/>
-              <a:t>({message: </a:t>
-            </a:r>
-            <a:r>
-              <a:rPr lang="en-US" sz="2000" dirty="0" err="1"/>
-              <a:t>event.target.value</a:t>
-            </a:r>
-            <a:r>
-              <a:rPr lang="en-US" sz="2000" dirty="0"/>
-              <a:t>});</a:t>
-            </a:r>
-          </a:p>
-          <a:p>
-            <a:pPr algn="l"/>
-            <a:r>
-              <a:rPr lang="en-US" sz="2000" dirty="0"/>
-              <a:t>  }</a:t>
-            </a:r>
-            <a:r>
-              <a:rPr lang="en-US" sz="2000" dirty="0" smtClean="0"/>
-              <a:t>,</a:t>
-            </a:r>
-          </a:p>
-          <a:p>
-            <a:pPr algn="l"/>
-            <a:r>
-              <a:rPr lang="en-US" sz="2000" dirty="0" smtClean="0"/>
-              <a:t> </a:t>
-            </a:r>
-            <a:r>
-              <a:rPr lang="en-US" sz="2000" dirty="0" err="1"/>
-              <a:t>getInitialState</a:t>
-            </a:r>
-            <a:r>
-              <a:rPr lang="en-US" sz="2000" dirty="0"/>
-              <a:t>: function() {</a:t>
-            </a:r>
-          </a:p>
-          <a:p>
-            <a:pPr algn="l"/>
-            <a:r>
-              <a:rPr lang="en-US" sz="2000" dirty="0"/>
-              <a:t>    return {message: </a:t>
-            </a:r>
-            <a:r>
-              <a:rPr lang="en-US" sz="2000" dirty="0" err="1" smtClean="0"/>
-              <a:t>this.props.message</a:t>
-            </a:r>
-            <a:r>
-              <a:rPr lang="en-US" sz="2000" dirty="0" smtClean="0"/>
-              <a:t> || '</a:t>
-            </a:r>
-            <a:r>
-              <a:rPr lang="en-US" sz="2000" dirty="0"/>
-              <a:t>Hello!'};</a:t>
-            </a:r>
-          </a:p>
-          <a:p>
-            <a:pPr algn="l"/>
-            <a:r>
-              <a:rPr lang="en-US" sz="2000" dirty="0"/>
-              <a:t>  </a:t>
-            </a:r>
-            <a:r>
-              <a:rPr lang="en-US" sz="2000" dirty="0" smtClean="0"/>
-              <a:t>}</a:t>
-            </a:r>
-            <a:endParaRPr lang="en-US" sz="2000" dirty="0"/>
-          </a:p>
-          <a:p>
-            <a:pPr algn="l"/>
-            <a:r>
-              <a:rPr lang="en-US" sz="2000" dirty="0" smtClean="0"/>
-              <a:t>}</a:t>
-            </a:r>
             <a:r>
               <a:rPr lang="en-US" sz="2000" dirty="0"/>
               <a:t>);</a:t>
@@ -4826,7 +5171,200 @@
     </p:spTree>
     <p:extLst>
       <p:ext uri="{BB962C8B-B14F-4D97-AF65-F5344CB8AC3E}">
-        <p14:creationId xmlns:p14="http://schemas.microsoft.com/office/powerpoint/2010/main" val="3551643865"/>
+        <p14:creationId xmlns:p14="http://schemas.microsoft.com/office/powerpoint/2010/main" val="2980629400"/>
+      </p:ext>
+    </p:extLst>
+  </p:cSld>
+  <p:clrMapOvr>
+    <a:masterClrMapping/>
+  </p:clrMapOvr>
+  <p:timing>
+    <p:tnLst>
+      <p:par>
+        <p:cTn xmlns:p14="http://schemas.microsoft.com/office/powerpoint/2010/main" id="1" dur="indefinite" restart="never" nodeType="tmRoot"/>
+      </p:par>
+    </p:tnLst>
+  </p:timing>
+</p:sld>
+</file>
+
+<file path=ppt/slides/slide9.xml><?xml version="1.0" encoding="utf-8"?>
+<p:sld xmlns:a="http://schemas.openxmlformats.org/drawingml/2006/main" xmlns:r="http://schemas.openxmlformats.org/officeDocument/2006/relationships" xmlns:p="http://schemas.openxmlformats.org/presentationml/2006/main">
+  <p:cSld>
+    <p:spTree>
+      <p:nvGrpSpPr>
+        <p:cNvPr id="1" name=""/>
+        <p:cNvGrpSpPr/>
+        <p:nvPr/>
+      </p:nvGrpSpPr>
+      <p:grpSpPr>
+        <a:xfrm>
+          <a:off x="0" y="0"/>
+          <a:ext cx="0" cy="0"/>
+          <a:chOff x="0" y="0"/>
+          <a:chExt cx="0" cy="0"/>
+        </a:xfrm>
+      </p:grpSpPr>
+      <p:sp>
+        <p:nvSpPr>
+          <p:cNvPr id="2" name="Title 1"/>
+          <p:cNvSpPr>
+            <a:spLocks noGrp="1"/>
+          </p:cNvSpPr>
+          <p:nvPr>
+            <p:ph type="ctrTitle"/>
+          </p:nvPr>
+        </p:nvSpPr>
+        <p:spPr>
+          <a:xfrm>
+            <a:off x="685800" y="160685"/>
+            <a:ext cx="7772400" cy="1470025"/>
+          </a:xfrm>
+        </p:spPr>
+        <p:txBody>
+          <a:bodyPr/>
+          <a:lstStyle/>
+          <a:p>
+            <a:r>
+              <a:rPr lang="en-US" dirty="0" smtClean="0"/>
+              <a:t>React</a:t>
+            </a:r>
+            <a:endParaRPr lang="en-US" dirty="0"/>
+          </a:p>
+        </p:txBody>
+      </p:sp>
+      <p:sp>
+        <p:nvSpPr>
+          <p:cNvPr id="3" name="Subtitle 2"/>
+          <p:cNvSpPr>
+            <a:spLocks noGrp="1"/>
+          </p:cNvSpPr>
+          <p:nvPr>
+            <p:ph type="subTitle" idx="1"/>
+          </p:nvPr>
+        </p:nvSpPr>
+        <p:spPr>
+          <a:xfrm>
+            <a:off x="3965222" y="1630710"/>
+            <a:ext cx="4861304" cy="4609893"/>
+          </a:xfrm>
+        </p:spPr>
+        <p:txBody>
+          <a:bodyPr>
+            <a:normAutofit/>
+          </a:bodyPr>
+          <a:lstStyle/>
+          <a:p>
+            <a:pPr marL="342900" indent="-342900" algn="l">
+              <a:buFont typeface="Arial"/>
+              <a:buChar char="•"/>
+            </a:pPr>
+            <a:r>
+              <a:rPr lang="en-US" sz="2000" dirty="0" smtClean="0"/>
+              <a:t>Component paradigm</a:t>
+            </a:r>
+          </a:p>
+          <a:p>
+            <a:pPr marL="342900" indent="-342900" algn="l">
+              <a:buFont typeface="Arial"/>
+              <a:buChar char="•"/>
+            </a:pPr>
+            <a:r>
+              <a:rPr lang="en-US" sz="2000" dirty="0" err="1"/>
+              <a:t>FilterableProductTable</a:t>
+            </a:r>
+            <a:r>
+              <a:rPr lang="en-US" sz="2000" dirty="0"/>
+              <a:t> (orange): contains the entirety of the example</a:t>
+            </a:r>
+          </a:p>
+          <a:p>
+            <a:pPr marL="342900" indent="-342900" algn="l">
+              <a:buFont typeface="Arial"/>
+              <a:buChar char="•"/>
+            </a:pPr>
+            <a:r>
+              <a:rPr lang="en-US" sz="2000" dirty="0" err="1"/>
+              <a:t>SearchBar</a:t>
+            </a:r>
+            <a:r>
+              <a:rPr lang="en-US" sz="2000" dirty="0"/>
+              <a:t> (blue): receives all user input</a:t>
+            </a:r>
+          </a:p>
+          <a:p>
+            <a:pPr marL="342900" indent="-342900" algn="l">
+              <a:buFont typeface="Arial"/>
+              <a:buChar char="•"/>
+            </a:pPr>
+            <a:r>
+              <a:rPr lang="en-US" sz="2000" dirty="0" err="1"/>
+              <a:t>ProductTable</a:t>
+            </a:r>
+            <a:r>
+              <a:rPr lang="en-US" sz="2000" dirty="0"/>
+              <a:t> (green): displays and filters the data collection based on user input</a:t>
+            </a:r>
+          </a:p>
+          <a:p>
+            <a:pPr marL="342900" indent="-342900" algn="l">
+              <a:buFont typeface="Arial"/>
+              <a:buChar char="•"/>
+            </a:pPr>
+            <a:r>
+              <a:rPr lang="en-US" sz="2000" dirty="0" err="1"/>
+              <a:t>ProductCategoryRow</a:t>
+            </a:r>
+            <a:r>
+              <a:rPr lang="en-US" sz="2000" dirty="0"/>
+              <a:t> (turquoise): displays a heading for each category</a:t>
+            </a:r>
+          </a:p>
+          <a:p>
+            <a:pPr marL="342900" indent="-342900" algn="l">
+              <a:buFont typeface="Arial"/>
+              <a:buChar char="•"/>
+            </a:pPr>
+            <a:r>
+              <a:rPr lang="en-US" sz="2000" dirty="0" err="1"/>
+              <a:t>ProductRow</a:t>
+            </a:r>
+            <a:r>
+              <a:rPr lang="en-US" sz="2000" dirty="0"/>
+              <a:t> (red): displays a row for each product</a:t>
+            </a:r>
+            <a:endParaRPr lang="en-US" sz="2000" dirty="0" smtClean="0"/>
+          </a:p>
+        </p:txBody>
+      </p:sp>
+      <p:pic>
+        <p:nvPicPr>
+          <p:cNvPr id="4" name="Picture 3"/>
+          <p:cNvPicPr>
+            <a:picLocks noChangeAspect="1"/>
+          </p:cNvPicPr>
+          <p:nvPr/>
+        </p:nvPicPr>
+        <p:blipFill>
+          <a:blip r:embed="rId2"/>
+          <a:stretch>
+            <a:fillRect/>
+          </a:stretch>
+        </p:blipFill>
+        <p:spPr>
+          <a:xfrm>
+            <a:off x="293511" y="1876778"/>
+            <a:ext cx="3492500" cy="4051300"/>
+          </a:xfrm>
+          <a:prstGeom prst="rect">
+            <a:avLst/>
+          </a:prstGeom>
+        </p:spPr>
+      </p:pic>
+    </p:spTree>
+    <p:extLst>
+      <p:ext uri="{BB962C8B-B14F-4D97-AF65-F5344CB8AC3E}">
+        <p14:creationId xmlns:p14="http://schemas.microsoft.com/office/powerpoint/2010/main" val="203739375"/>
       </p:ext>
     </p:extLst>
   </p:cSld>

--- a/slides/Backbone Slides Day 3.pptx
+++ b/slides/Backbone Slides Day 3.pptx
@@ -4449,8 +4449,27 @@
             </a:r>
             <a:r>
               <a:rPr lang="en-US" sz="2000" dirty="0" smtClean="0"/>
-              <a:t> 'start' event</a:t>
-            </a:r>
+              <a:t> 'start' </a:t>
+            </a:r>
+            <a:r>
+              <a:rPr lang="en-US" sz="2000" dirty="0" smtClean="0"/>
+              <a:t>event</a:t>
+            </a:r>
+          </a:p>
+          <a:p>
+            <a:pPr marL="342900" indent="-342900" algn="l">
+              <a:buFont typeface="Arial"/>
+              <a:buChar char="•"/>
+            </a:pPr>
+            <a:r>
+              <a:rPr lang="en-US" sz="2000" dirty="0" smtClean="0"/>
+              <a:t>Add Regions and links to </a:t>
+            </a:r>
+            <a:r>
+              <a:rPr lang="en-US" sz="2000" smtClean="0"/>
+              <a:t>populate them</a:t>
+            </a:r>
+            <a:endParaRPr lang="en-US" sz="2000" dirty="0" smtClean="0"/>
           </a:p>
         </p:txBody>
       </p:sp>
